--- a/Part_1_Resources_for_computational_modellers/1_Experimental_datasets/5_NeuroMorpho.org.pptx
+++ b/Part_1_Resources_for_computational_modellers/1_Experimental_datasets/5_NeuroMorpho.org.pptx
@@ -38,7 +38,7 @@
       </p:grpSpPr>
       <p:sp>
         <p:nvSpPr>
-          <p:cNvPr id="78" name="PlaceHolder 1"/>
+          <p:cNvPr id="72" name="PlaceHolder 1"/>
           <p:cNvSpPr>
             <a:spLocks noGrp="1"/>
           </p:cNvSpPr>
@@ -88,7 +88,7 @@
       </p:sp>
       <p:sp>
         <p:nvSpPr>
-          <p:cNvPr id="79" name="PlaceHolder 2"/>
+          <p:cNvPr id="73" name="PlaceHolder 2"/>
           <p:cNvSpPr>
             <a:spLocks noGrp="1"/>
           </p:cNvSpPr>
@@ -138,7 +138,7 @@
       </p:sp>
       <p:sp>
         <p:nvSpPr>
-          <p:cNvPr id="80" name="PlaceHolder 3"/>
+          <p:cNvPr id="74" name="PlaceHolder 3"/>
           <p:cNvSpPr>
             <a:spLocks noGrp="1"/>
           </p:cNvSpPr>
@@ -189,7 +189,7 @@
       </p:sp>
       <p:sp>
         <p:nvSpPr>
-          <p:cNvPr id="81" name="PlaceHolder 4"/>
+          <p:cNvPr id="75" name="PlaceHolder 4"/>
           <p:cNvSpPr>
             <a:spLocks noGrp="1"/>
           </p:cNvSpPr>
@@ -239,7 +239,7 @@
       </p:sp>
       <p:sp>
         <p:nvSpPr>
-          <p:cNvPr id="82" name="PlaceHolder 5"/>
+          <p:cNvPr id="76" name="PlaceHolder 5"/>
           <p:cNvSpPr>
             <a:spLocks noGrp="1"/>
           </p:cNvSpPr>
@@ -260,7 +260,7 @@
           <a:bodyPr lIns="0" rIns="0" tIns="0" bIns="0" anchor="b"/>
           <a:p>
             <a:pPr algn="r"/>
-            <a:fld id="{F8126102-7848-4CAF-90DC-56F9CD53019E}" type="slidenum">
+            <a:fld id="{1C8B08F8-D0B3-42EC-9795-1A35C76B1411}" type="slidenum">
               <a:rPr b="0" lang="en-GB" sz="1400" spc="-1" strike="noStrike">
                 <a:solidFill>
                   <a:srgbClr val="000000"/>
@@ -313,14 +313,14 @@
       </p:grpSpPr>
       <p:sp>
         <p:nvSpPr>
-          <p:cNvPr id="92" name="TextShape 1"/>
-          <p:cNvSpPr txBox="1"/>
+          <p:cNvPr id="89" name="CustomShape 1"/>
+          <p:cNvSpPr/>
           <p:nvPr/>
         </p:nvSpPr>
         <p:spPr>
           <a:xfrm>
             <a:off x="4278240" y="10156680"/>
-            <a:ext cx="3279240" cy="533160"/>
+            <a:ext cx="3278880" cy="532800"/>
           </a:xfrm>
           <a:prstGeom prst="rect">
             <a:avLst/>
@@ -330,6 +330,12 @@
             <a:noFill/>
           </a:ln>
         </p:spPr>
+        <p:style>
+          <a:lnRef idx="0"/>
+          <a:fillRef idx="0"/>
+          <a:effectRef idx="0"/>
+          <a:fontRef idx="minor"/>
+        </p:style>
         <p:txBody>
           <a:bodyPr lIns="0" rIns="0" tIns="0" bIns="0" anchor="b"/>
           <a:p>
@@ -338,7 +344,7 @@
                 <a:spcPct val="100000"/>
               </a:lnSpc>
             </a:pPr>
-            <a:fld id="{875A01BB-A06F-4B8B-94FF-D4ABC535E61D}" type="slidenum">
+            <a:fld id="{9B8C01E2-B8FB-4DE1-81FD-84863ED98C8F}" type="slidenum">
               <a:rPr b="0" lang="en-GB" sz="1400" spc="-1" strike="noStrike">
                 <a:solidFill>
                   <a:srgbClr val="000000"/>
@@ -351,25 +357,25 @@
                 <a:latin typeface="Times New Roman"/>
                 <a:ea typeface="DejaVu Sans"/>
               </a:rPr>
-              <a:t>1</a:t>
+              <a:t>&lt;number&gt;</a:t>
             </a:fld>
-            <a:endParaRPr b="0" lang="en-GB" sz="1400" spc="-1" strike="noStrike">
-              <a:solidFill>
-                <a:srgbClr val="000000"/>
-              </a:solidFill>
-              <a:uFill>
-                <a:solidFill>
-                  <a:srgbClr val="ffffff"/>
-                </a:solidFill>
-              </a:uFill>
-              <a:latin typeface="Times New Roman"/>
-            </a:endParaRPr>
-          </a:p>
-        </p:txBody>
-      </p:sp>
-      <p:sp>
-        <p:nvSpPr>
-          <p:cNvPr id="93" name="PlaceHolder 2"/>
+            <a:endParaRPr b="0" lang="en-GB" sz="1800" spc="-1" strike="noStrike">
+              <a:solidFill>
+                <a:srgbClr val="000000"/>
+              </a:solidFill>
+              <a:uFill>
+                <a:solidFill>
+                  <a:srgbClr val="ffffff"/>
+                </a:solidFill>
+              </a:uFill>
+              <a:latin typeface="Arial"/>
+            </a:endParaRPr>
+          </a:p>
+        </p:txBody>
+      </p:sp>
+      <p:sp>
+        <p:nvSpPr>
+          <p:cNvPr id="90" name="PlaceHolder 2"/>
           <p:cNvSpPr>
             <a:spLocks noGrp="1"/>
           </p:cNvSpPr>
@@ -380,7 +386,7 @@
         <p:spPr>
           <a:xfrm>
             <a:off x="755640" y="5078520"/>
-            <a:ext cx="6048000" cy="4811400"/>
+            <a:ext cx="6047640" cy="4811040"/>
           </a:xfrm>
           <a:prstGeom prst="rect">
             <a:avLst/>
@@ -427,14 +433,14 @@
       </p:grpSpPr>
       <p:sp>
         <p:nvSpPr>
-          <p:cNvPr id="94" name="TextShape 1"/>
-          <p:cNvSpPr txBox="1"/>
+          <p:cNvPr id="91" name="CustomShape 1"/>
+          <p:cNvSpPr/>
           <p:nvPr/>
         </p:nvSpPr>
         <p:spPr>
           <a:xfrm>
             <a:off x="4278240" y="10156680"/>
-            <a:ext cx="3279240" cy="533160"/>
+            <a:ext cx="3278880" cy="532800"/>
           </a:xfrm>
           <a:prstGeom prst="rect">
             <a:avLst/>
@@ -444,6 +450,12 @@
             <a:noFill/>
           </a:ln>
         </p:spPr>
+        <p:style>
+          <a:lnRef idx="0"/>
+          <a:fillRef idx="0"/>
+          <a:effectRef idx="0"/>
+          <a:fontRef idx="minor"/>
+        </p:style>
         <p:txBody>
           <a:bodyPr lIns="0" rIns="0" tIns="0" bIns="0" anchor="b"/>
           <a:p>
@@ -452,7 +464,7 @@
                 <a:spcPct val="100000"/>
               </a:lnSpc>
             </a:pPr>
-            <a:fld id="{CEC02ABF-358B-4B62-BB75-8BB48B5477AB}" type="slidenum">
+            <a:fld id="{6C6244E0-764E-4B07-BE11-D6E0F7587238}" type="slidenum">
               <a:rPr b="0" lang="en-GB" sz="1400" spc="-1" strike="noStrike">
                 <a:solidFill>
                   <a:srgbClr val="000000"/>
@@ -465,25 +477,25 @@
                 <a:latin typeface="Times New Roman"/>
                 <a:ea typeface="DejaVu Sans"/>
               </a:rPr>
-              <a:t>1</a:t>
+              <a:t>&lt;number&gt;</a:t>
             </a:fld>
-            <a:endParaRPr b="0" lang="en-GB" sz="1400" spc="-1" strike="noStrike">
-              <a:solidFill>
-                <a:srgbClr val="000000"/>
-              </a:solidFill>
-              <a:uFill>
-                <a:solidFill>
-                  <a:srgbClr val="ffffff"/>
-                </a:solidFill>
-              </a:uFill>
-              <a:latin typeface="Times New Roman"/>
-            </a:endParaRPr>
-          </a:p>
-        </p:txBody>
-      </p:sp>
-      <p:sp>
-        <p:nvSpPr>
-          <p:cNvPr id="95" name="PlaceHolder 2"/>
+            <a:endParaRPr b="0" lang="en-GB" sz="1800" spc="-1" strike="noStrike">
+              <a:solidFill>
+                <a:srgbClr val="000000"/>
+              </a:solidFill>
+              <a:uFill>
+                <a:solidFill>
+                  <a:srgbClr val="ffffff"/>
+                </a:solidFill>
+              </a:uFill>
+              <a:latin typeface="Arial"/>
+            </a:endParaRPr>
+          </a:p>
+        </p:txBody>
+      </p:sp>
+      <p:sp>
+        <p:nvSpPr>
+          <p:cNvPr id="92" name="PlaceHolder 2"/>
           <p:cNvSpPr>
             <a:spLocks noGrp="1"/>
           </p:cNvSpPr>
@@ -494,7 +506,7 @@
         <p:spPr>
           <a:xfrm>
             <a:off x="755640" y="5078520"/>
-            <a:ext cx="6048000" cy="4811400"/>
+            <a:ext cx="6047640" cy="4811040"/>
           </a:xfrm>
           <a:prstGeom prst="rect">
             <a:avLst/>
@@ -541,14 +553,14 @@
       </p:grpSpPr>
       <p:sp>
         <p:nvSpPr>
-          <p:cNvPr id="96" name="TextShape 1"/>
-          <p:cNvSpPr txBox="1"/>
+          <p:cNvPr id="93" name="CustomShape 1"/>
+          <p:cNvSpPr/>
           <p:nvPr/>
         </p:nvSpPr>
         <p:spPr>
           <a:xfrm>
             <a:off x="4278240" y="10156680"/>
-            <a:ext cx="3279240" cy="533160"/>
+            <a:ext cx="3278880" cy="532800"/>
           </a:xfrm>
           <a:prstGeom prst="rect">
             <a:avLst/>
@@ -558,6 +570,12 @@
             <a:noFill/>
           </a:ln>
         </p:spPr>
+        <p:style>
+          <a:lnRef idx="0"/>
+          <a:fillRef idx="0"/>
+          <a:effectRef idx="0"/>
+          <a:fontRef idx="minor"/>
+        </p:style>
         <p:txBody>
           <a:bodyPr lIns="0" rIns="0" tIns="0" bIns="0" anchor="b"/>
           <a:p>
@@ -566,7 +584,7 @@
                 <a:spcPct val="100000"/>
               </a:lnSpc>
             </a:pPr>
-            <a:fld id="{4B94639A-BC32-4554-848C-614321BDD750}" type="slidenum">
+            <a:fld id="{06AD6692-9613-42E7-B579-6F00E5F37EBE}" type="slidenum">
               <a:rPr b="0" lang="en-GB" sz="1400" spc="-1" strike="noStrike">
                 <a:solidFill>
                   <a:srgbClr val="000000"/>
@@ -579,25 +597,25 @@
                 <a:latin typeface="Times New Roman"/>
                 <a:ea typeface="DejaVu Sans"/>
               </a:rPr>
-              <a:t>1</a:t>
+              <a:t>&lt;number&gt;</a:t>
             </a:fld>
-            <a:endParaRPr b="0" lang="en-GB" sz="1400" spc="-1" strike="noStrike">
-              <a:solidFill>
-                <a:srgbClr val="000000"/>
-              </a:solidFill>
-              <a:uFill>
-                <a:solidFill>
-                  <a:srgbClr val="ffffff"/>
-                </a:solidFill>
-              </a:uFill>
-              <a:latin typeface="Times New Roman"/>
-            </a:endParaRPr>
-          </a:p>
-        </p:txBody>
-      </p:sp>
-      <p:sp>
-        <p:nvSpPr>
-          <p:cNvPr id="97" name="PlaceHolder 2"/>
+            <a:endParaRPr b="0" lang="en-GB" sz="1800" spc="-1" strike="noStrike">
+              <a:solidFill>
+                <a:srgbClr val="000000"/>
+              </a:solidFill>
+              <a:uFill>
+                <a:solidFill>
+                  <a:srgbClr val="ffffff"/>
+                </a:solidFill>
+              </a:uFill>
+              <a:latin typeface="Arial"/>
+            </a:endParaRPr>
+          </a:p>
+        </p:txBody>
+      </p:sp>
+      <p:sp>
+        <p:nvSpPr>
+          <p:cNvPr id="94" name="PlaceHolder 2"/>
           <p:cNvSpPr>
             <a:spLocks noGrp="1"/>
           </p:cNvSpPr>
@@ -608,7 +626,7 @@
         <p:spPr>
           <a:xfrm>
             <a:off x="755640" y="5078520"/>
-            <a:ext cx="6048000" cy="4811400"/>
+            <a:ext cx="6047640" cy="4811040"/>
           </a:xfrm>
           <a:prstGeom prst="rect">
             <a:avLst/>
@@ -655,14 +673,14 @@
       </p:grpSpPr>
       <p:sp>
         <p:nvSpPr>
-          <p:cNvPr id="98" name="TextShape 1"/>
-          <p:cNvSpPr txBox="1"/>
+          <p:cNvPr id="95" name="CustomShape 1"/>
+          <p:cNvSpPr/>
           <p:nvPr/>
         </p:nvSpPr>
         <p:spPr>
           <a:xfrm>
             <a:off x="4278240" y="10156680"/>
-            <a:ext cx="3279240" cy="533160"/>
+            <a:ext cx="3278880" cy="532800"/>
           </a:xfrm>
           <a:prstGeom prst="rect">
             <a:avLst/>
@@ -672,6 +690,12 @@
             <a:noFill/>
           </a:ln>
         </p:spPr>
+        <p:style>
+          <a:lnRef idx="0"/>
+          <a:fillRef idx="0"/>
+          <a:effectRef idx="0"/>
+          <a:fontRef idx="minor"/>
+        </p:style>
         <p:txBody>
           <a:bodyPr lIns="0" rIns="0" tIns="0" bIns="0" anchor="b"/>
           <a:p>
@@ -680,7 +704,7 @@
                 <a:spcPct val="100000"/>
               </a:lnSpc>
             </a:pPr>
-            <a:fld id="{40C239E6-102B-4977-AF38-240B0ADBB75C}" type="slidenum">
+            <a:fld id="{3625E1DC-E1A9-499D-849F-46E7132F608E}" type="slidenum">
               <a:rPr b="0" lang="en-GB" sz="1400" spc="-1" strike="noStrike">
                 <a:solidFill>
                   <a:srgbClr val="000000"/>
@@ -693,25 +717,25 @@
                 <a:latin typeface="Times New Roman"/>
                 <a:ea typeface="DejaVu Sans"/>
               </a:rPr>
-              <a:t>1</a:t>
+              <a:t>&lt;number&gt;</a:t>
             </a:fld>
-            <a:endParaRPr b="0" lang="en-GB" sz="1400" spc="-1" strike="noStrike">
-              <a:solidFill>
-                <a:srgbClr val="000000"/>
-              </a:solidFill>
-              <a:uFill>
-                <a:solidFill>
-                  <a:srgbClr val="ffffff"/>
-                </a:solidFill>
-              </a:uFill>
-              <a:latin typeface="Times New Roman"/>
-            </a:endParaRPr>
-          </a:p>
-        </p:txBody>
-      </p:sp>
-      <p:sp>
-        <p:nvSpPr>
-          <p:cNvPr id="99" name="PlaceHolder 2"/>
+            <a:endParaRPr b="0" lang="en-GB" sz="1800" spc="-1" strike="noStrike">
+              <a:solidFill>
+                <a:srgbClr val="000000"/>
+              </a:solidFill>
+              <a:uFill>
+                <a:solidFill>
+                  <a:srgbClr val="ffffff"/>
+                </a:solidFill>
+              </a:uFill>
+              <a:latin typeface="Arial"/>
+            </a:endParaRPr>
+          </a:p>
+        </p:txBody>
+      </p:sp>
+      <p:sp>
+        <p:nvSpPr>
+          <p:cNvPr id="96" name="PlaceHolder 2"/>
           <p:cNvSpPr>
             <a:spLocks noGrp="1"/>
           </p:cNvSpPr>
@@ -722,7 +746,7 @@
         <p:spPr>
           <a:xfrm>
             <a:off x="755640" y="5078520"/>
-            <a:ext cx="6048000" cy="4811400"/>
+            <a:ext cx="6047640" cy="4811040"/>
           </a:xfrm>
           <a:prstGeom prst="rect">
             <a:avLst/>
@@ -791,7 +815,7 @@
       </p:grpSpPr>
       <p:sp>
         <p:nvSpPr>
-          <p:cNvPr id="26" name="PlaceHolder 1"/>
+          <p:cNvPr id="23" name="PlaceHolder 1"/>
           <p:cNvSpPr>
             <a:spLocks noGrp="1"/>
           </p:cNvSpPr>
@@ -801,8 +825,8 @@
         </p:nvSpPr>
         <p:spPr>
           <a:xfrm>
-            <a:off x="503280" y="301680"/>
-            <a:ext cx="9069120" cy="1260000"/>
+            <a:off x="504000" y="301320"/>
+            <a:ext cx="9072000" cy="1261800"/>
           </a:xfrm>
           <a:prstGeom prst="rect">
             <a:avLst/>
@@ -811,6 +835,7 @@
         <p:txBody>
           <a:bodyPr lIns="0" rIns="0" tIns="0" bIns="0" anchor="ctr"/>
           <a:p>
+            <a:pPr algn="ctr"/>
             <a:endParaRPr b="0" lang="en-GB" sz="4400" spc="-1" strike="noStrike">
               <a:solidFill>
                 <a:srgbClr val="000000"/>
@@ -827,7 +852,7 @@
       </p:sp>
       <p:sp>
         <p:nvSpPr>
-          <p:cNvPr id="27" name="PlaceHolder 2"/>
+          <p:cNvPr id="24" name="PlaceHolder 2"/>
           <p:cNvSpPr>
             <a:spLocks noGrp="1"/>
           </p:cNvSpPr>
@@ -837,8 +862,8 @@
         </p:nvSpPr>
         <p:spPr>
           <a:xfrm>
-            <a:off x="503280" y="1768320"/>
-            <a:ext cx="9069120" cy="2090160"/>
+            <a:off x="504000" y="1768680"/>
+            <a:ext cx="9072000" cy="2090880"/>
           </a:xfrm>
           <a:prstGeom prst="rect">
             <a:avLst/>
@@ -863,7 +888,7 @@
       </p:sp>
       <p:sp>
         <p:nvSpPr>
-          <p:cNvPr id="28" name="PlaceHolder 3"/>
+          <p:cNvPr id="25" name="PlaceHolder 3"/>
           <p:cNvSpPr>
             <a:spLocks noGrp="1"/>
           </p:cNvSpPr>
@@ -873,8 +898,8 @@
         </p:nvSpPr>
         <p:spPr>
           <a:xfrm>
-            <a:off x="503280" y="4057560"/>
-            <a:ext cx="9069120" cy="2090160"/>
+            <a:off x="504000" y="4058640"/>
+            <a:ext cx="9072000" cy="2090880"/>
           </a:xfrm>
           <a:prstGeom prst="rect">
             <a:avLst/>
@@ -921,7 +946,7 @@
       </p:grpSpPr>
       <p:sp>
         <p:nvSpPr>
-          <p:cNvPr id="29" name="PlaceHolder 1"/>
+          <p:cNvPr id="26" name="PlaceHolder 1"/>
           <p:cNvSpPr>
             <a:spLocks noGrp="1"/>
           </p:cNvSpPr>
@@ -931,8 +956,8 @@
         </p:nvSpPr>
         <p:spPr>
           <a:xfrm>
-            <a:off x="503280" y="301680"/>
-            <a:ext cx="9069120" cy="1260000"/>
+            <a:off x="504000" y="301320"/>
+            <a:ext cx="9072000" cy="1261800"/>
           </a:xfrm>
           <a:prstGeom prst="rect">
             <a:avLst/>
@@ -941,6 +966,7 @@
         <p:txBody>
           <a:bodyPr lIns="0" rIns="0" tIns="0" bIns="0" anchor="ctr"/>
           <a:p>
+            <a:pPr algn="ctr"/>
             <a:endParaRPr b="0" lang="en-GB" sz="4400" spc="-1" strike="noStrike">
               <a:solidFill>
                 <a:srgbClr val="000000"/>
@@ -957,7 +983,7 @@
       </p:sp>
       <p:sp>
         <p:nvSpPr>
-          <p:cNvPr id="30" name="PlaceHolder 2"/>
+          <p:cNvPr id="27" name="PlaceHolder 2"/>
           <p:cNvSpPr>
             <a:spLocks noGrp="1"/>
           </p:cNvSpPr>
@@ -967,8 +993,8 @@
         </p:nvSpPr>
         <p:spPr>
           <a:xfrm>
-            <a:off x="503280" y="1768320"/>
-            <a:ext cx="4425480" cy="2090160"/>
+            <a:off x="504000" y="1768680"/>
+            <a:ext cx="4426920" cy="2090880"/>
           </a:xfrm>
           <a:prstGeom prst="rect">
             <a:avLst/>
@@ -993,7 +1019,7 @@
       </p:sp>
       <p:sp>
         <p:nvSpPr>
-          <p:cNvPr id="31" name="PlaceHolder 3"/>
+          <p:cNvPr id="28" name="PlaceHolder 3"/>
           <p:cNvSpPr>
             <a:spLocks noGrp="1"/>
           </p:cNvSpPr>
@@ -1003,8 +1029,8 @@
         </p:nvSpPr>
         <p:spPr>
           <a:xfrm>
-            <a:off x="5150520" y="1768320"/>
-            <a:ext cx="4425480" cy="2090160"/>
+            <a:off x="5152680" y="1768680"/>
+            <a:ext cx="4426920" cy="2090880"/>
           </a:xfrm>
           <a:prstGeom prst="rect">
             <a:avLst/>
@@ -1029,7 +1055,7 @@
       </p:sp>
       <p:sp>
         <p:nvSpPr>
-          <p:cNvPr id="32" name="PlaceHolder 4"/>
+          <p:cNvPr id="29" name="PlaceHolder 4"/>
           <p:cNvSpPr>
             <a:spLocks noGrp="1"/>
           </p:cNvSpPr>
@@ -1039,8 +1065,8 @@
         </p:nvSpPr>
         <p:spPr>
           <a:xfrm>
-            <a:off x="5150520" y="4057560"/>
-            <a:ext cx="4425480" cy="2090160"/>
+            <a:off x="5152680" y="4058640"/>
+            <a:ext cx="4426920" cy="2090880"/>
           </a:xfrm>
           <a:prstGeom prst="rect">
             <a:avLst/>
@@ -1065,7 +1091,7 @@
       </p:sp>
       <p:sp>
         <p:nvSpPr>
-          <p:cNvPr id="33" name="PlaceHolder 5"/>
+          <p:cNvPr id="30" name="PlaceHolder 5"/>
           <p:cNvSpPr>
             <a:spLocks noGrp="1"/>
           </p:cNvSpPr>
@@ -1075,8 +1101,8 @@
         </p:nvSpPr>
         <p:spPr>
           <a:xfrm>
-            <a:off x="503280" y="4057560"/>
-            <a:ext cx="4425480" cy="2090160"/>
+            <a:off x="504000" y="4058640"/>
+            <a:ext cx="4426920" cy="2090880"/>
           </a:xfrm>
           <a:prstGeom prst="rect">
             <a:avLst/>
@@ -1123,7 +1149,7 @@
       </p:grpSpPr>
       <p:sp>
         <p:nvSpPr>
-          <p:cNvPr id="34" name="PlaceHolder 1"/>
+          <p:cNvPr id="31" name="PlaceHolder 1"/>
           <p:cNvSpPr>
             <a:spLocks noGrp="1"/>
           </p:cNvSpPr>
@@ -1133,8 +1159,8 @@
         </p:nvSpPr>
         <p:spPr>
           <a:xfrm>
-            <a:off x="503280" y="301680"/>
-            <a:ext cx="9069120" cy="1260000"/>
+            <a:off x="504000" y="301320"/>
+            <a:ext cx="9072000" cy="1261800"/>
           </a:xfrm>
           <a:prstGeom prst="rect">
             <a:avLst/>
@@ -1143,6 +1169,7 @@
         <p:txBody>
           <a:bodyPr lIns="0" rIns="0" tIns="0" bIns="0" anchor="ctr"/>
           <a:p>
+            <a:pPr algn="ctr"/>
             <a:endParaRPr b="0" lang="en-GB" sz="4400" spc="-1" strike="noStrike">
               <a:solidFill>
                 <a:srgbClr val="000000"/>
@@ -1159,7 +1186,7 @@
       </p:sp>
       <p:sp>
         <p:nvSpPr>
-          <p:cNvPr id="35" name="PlaceHolder 2"/>
+          <p:cNvPr id="32" name="PlaceHolder 2"/>
           <p:cNvSpPr>
             <a:spLocks noGrp="1"/>
           </p:cNvSpPr>
@@ -1169,8 +1196,8 @@
         </p:nvSpPr>
         <p:spPr>
           <a:xfrm>
-            <a:off x="503280" y="1768320"/>
-            <a:ext cx="9069120" cy="4382640"/>
+            <a:off x="504000" y="1768680"/>
+            <a:ext cx="9072000" cy="4384080"/>
           </a:xfrm>
           <a:prstGeom prst="rect">
             <a:avLst/>
@@ -1195,7 +1222,7 @@
       </p:sp>
       <p:sp>
         <p:nvSpPr>
-          <p:cNvPr id="36" name="PlaceHolder 3"/>
+          <p:cNvPr id="33" name="PlaceHolder 3"/>
           <p:cNvSpPr>
             <a:spLocks noGrp="1"/>
           </p:cNvSpPr>
@@ -1205,8 +1232,8 @@
         </p:nvSpPr>
         <p:spPr>
           <a:xfrm>
-            <a:off x="503280" y="1768320"/>
-            <a:ext cx="9069120" cy="4382640"/>
+            <a:off x="504000" y="1768680"/>
+            <a:ext cx="9072000" cy="4384080"/>
           </a:xfrm>
           <a:prstGeom prst="rect">
             <a:avLst/>
@@ -1231,7 +1258,7 @@
       </p:sp>
       <p:pic>
         <p:nvPicPr>
-          <p:cNvPr id="37" name="" descr=""/>
+          <p:cNvPr id="34" name="" descr=""/>
           <p:cNvPicPr/>
           <p:nvPr/>
         </p:nvPicPr>
@@ -1241,8 +1268,8 @@
         </p:blipFill>
         <p:spPr>
           <a:xfrm>
-            <a:off x="2291400" y="1768320"/>
-            <a:ext cx="5492880" cy="4382640"/>
+            <a:off x="2292480" y="1768680"/>
+            <a:ext cx="5494680" cy="4384080"/>
           </a:xfrm>
           <a:prstGeom prst="rect">
             <a:avLst/>
@@ -1254,7 +1281,7 @@
       </p:pic>
       <p:pic>
         <p:nvPicPr>
-          <p:cNvPr id="38" name="" descr=""/>
+          <p:cNvPr id="35" name="" descr=""/>
           <p:cNvPicPr/>
           <p:nvPr/>
         </p:nvPicPr>
@@ -1264,8 +1291,8 @@
         </p:blipFill>
         <p:spPr>
           <a:xfrm>
-            <a:off x="2291400" y="1768320"/>
-            <a:ext cx="5492880" cy="4382640"/>
+            <a:off x="2292480" y="1768680"/>
+            <a:ext cx="5494680" cy="4384080"/>
           </a:xfrm>
           <a:prstGeom prst="rect">
             <a:avLst/>
@@ -1321,7 +1348,7 @@
       </p:grpSpPr>
       <p:sp>
         <p:nvSpPr>
-          <p:cNvPr id="44" name="PlaceHolder 1"/>
+          <p:cNvPr id="38" name="PlaceHolder 1"/>
           <p:cNvSpPr>
             <a:spLocks noGrp="1"/>
           </p:cNvSpPr>
@@ -1331,8 +1358,8 @@
         </p:nvSpPr>
         <p:spPr>
           <a:xfrm>
-            <a:off x="503280" y="301680"/>
-            <a:ext cx="9069120" cy="1260000"/>
+            <a:off x="504000" y="301320"/>
+            <a:ext cx="9072000" cy="1261800"/>
           </a:xfrm>
           <a:prstGeom prst="rect">
             <a:avLst/>
@@ -1341,6 +1368,7 @@
         <p:txBody>
           <a:bodyPr lIns="0" rIns="0" tIns="0" bIns="0" anchor="ctr"/>
           <a:p>
+            <a:pPr algn="ctr"/>
             <a:endParaRPr b="0" lang="en-GB" sz="4400" spc="-1" strike="noStrike">
               <a:solidFill>
                 <a:srgbClr val="000000"/>
@@ -1357,7 +1385,7 @@
       </p:sp>
       <p:sp>
         <p:nvSpPr>
-          <p:cNvPr id="45" name="PlaceHolder 2"/>
+          <p:cNvPr id="39" name="PlaceHolder 2"/>
           <p:cNvSpPr>
             <a:spLocks noGrp="1"/>
           </p:cNvSpPr>
@@ -1367,8 +1395,8 @@
         </p:nvSpPr>
         <p:spPr>
           <a:xfrm>
-            <a:off x="503280" y="1768320"/>
-            <a:ext cx="9069120" cy="4382640"/>
+            <a:off x="504000" y="1768680"/>
+            <a:ext cx="9072000" cy="4384080"/>
           </a:xfrm>
           <a:prstGeom prst="rect">
             <a:avLst/>
@@ -1416,7 +1444,7 @@
       </p:grpSpPr>
       <p:sp>
         <p:nvSpPr>
-          <p:cNvPr id="46" name="PlaceHolder 1"/>
+          <p:cNvPr id="40" name="PlaceHolder 1"/>
           <p:cNvSpPr>
             <a:spLocks noGrp="1"/>
           </p:cNvSpPr>
@@ -1426,8 +1454,8 @@
         </p:nvSpPr>
         <p:spPr>
           <a:xfrm>
-            <a:off x="503280" y="301680"/>
-            <a:ext cx="9069120" cy="1260000"/>
+            <a:off x="504000" y="301320"/>
+            <a:ext cx="9072000" cy="1261800"/>
           </a:xfrm>
           <a:prstGeom prst="rect">
             <a:avLst/>
@@ -1436,6 +1464,7 @@
         <p:txBody>
           <a:bodyPr lIns="0" rIns="0" tIns="0" bIns="0" anchor="ctr"/>
           <a:p>
+            <a:pPr algn="ctr"/>
             <a:endParaRPr b="0" lang="en-GB" sz="4400" spc="-1" strike="noStrike">
               <a:solidFill>
                 <a:srgbClr val="000000"/>
@@ -1452,7 +1481,7 @@
       </p:sp>
       <p:sp>
         <p:nvSpPr>
-          <p:cNvPr id="47" name="PlaceHolder 2"/>
+          <p:cNvPr id="41" name="PlaceHolder 2"/>
           <p:cNvSpPr>
             <a:spLocks noGrp="1"/>
           </p:cNvSpPr>
@@ -1462,8 +1491,8 @@
         </p:nvSpPr>
         <p:spPr>
           <a:xfrm>
-            <a:off x="503280" y="1768320"/>
-            <a:ext cx="9069120" cy="4382640"/>
+            <a:off x="504000" y="1768680"/>
+            <a:ext cx="9072000" cy="4384080"/>
           </a:xfrm>
           <a:prstGeom prst="rect">
             <a:avLst/>
@@ -1510,7 +1539,7 @@
       </p:grpSpPr>
       <p:sp>
         <p:nvSpPr>
-          <p:cNvPr id="48" name="PlaceHolder 1"/>
+          <p:cNvPr id="42" name="PlaceHolder 1"/>
           <p:cNvSpPr>
             <a:spLocks noGrp="1"/>
           </p:cNvSpPr>
@@ -1520,8 +1549,8 @@
         </p:nvSpPr>
         <p:spPr>
           <a:xfrm>
-            <a:off x="503280" y="301680"/>
-            <a:ext cx="9069120" cy="1260000"/>
+            <a:off x="504000" y="301320"/>
+            <a:ext cx="9072000" cy="1261800"/>
           </a:xfrm>
           <a:prstGeom prst="rect">
             <a:avLst/>
@@ -1530,6 +1559,7 @@
         <p:txBody>
           <a:bodyPr lIns="0" rIns="0" tIns="0" bIns="0" anchor="ctr"/>
           <a:p>
+            <a:pPr algn="ctr"/>
             <a:endParaRPr b="0" lang="en-GB" sz="4400" spc="-1" strike="noStrike">
               <a:solidFill>
                 <a:srgbClr val="000000"/>
@@ -1546,7 +1576,7 @@
       </p:sp>
       <p:sp>
         <p:nvSpPr>
-          <p:cNvPr id="49" name="PlaceHolder 2"/>
+          <p:cNvPr id="43" name="PlaceHolder 2"/>
           <p:cNvSpPr>
             <a:spLocks noGrp="1"/>
           </p:cNvSpPr>
@@ -1556,8 +1586,8 @@
         </p:nvSpPr>
         <p:spPr>
           <a:xfrm>
-            <a:off x="503280" y="1768320"/>
-            <a:ext cx="4425480" cy="4382640"/>
+            <a:off x="504000" y="1768680"/>
+            <a:ext cx="4426920" cy="4384080"/>
           </a:xfrm>
           <a:prstGeom prst="rect">
             <a:avLst/>
@@ -1582,7 +1612,7 @@
       </p:sp>
       <p:sp>
         <p:nvSpPr>
-          <p:cNvPr id="50" name="PlaceHolder 3"/>
+          <p:cNvPr id="44" name="PlaceHolder 3"/>
           <p:cNvSpPr>
             <a:spLocks noGrp="1"/>
           </p:cNvSpPr>
@@ -1592,8 +1622,8 @@
         </p:nvSpPr>
         <p:spPr>
           <a:xfrm>
-            <a:off x="5150520" y="1768320"/>
-            <a:ext cx="4425480" cy="4382640"/>
+            <a:off x="5152680" y="1768680"/>
+            <a:ext cx="4426920" cy="4384080"/>
           </a:xfrm>
           <a:prstGeom prst="rect">
             <a:avLst/>
@@ -1640,7 +1670,7 @@
       </p:grpSpPr>
       <p:sp>
         <p:nvSpPr>
-          <p:cNvPr id="51" name="PlaceHolder 1"/>
+          <p:cNvPr id="45" name="PlaceHolder 1"/>
           <p:cNvSpPr>
             <a:spLocks noGrp="1"/>
           </p:cNvSpPr>
@@ -1650,8 +1680,8 @@
         </p:nvSpPr>
         <p:spPr>
           <a:xfrm>
-            <a:off x="503280" y="301680"/>
-            <a:ext cx="9069120" cy="1260000"/>
+            <a:off x="504000" y="301320"/>
+            <a:ext cx="9072000" cy="1261800"/>
           </a:xfrm>
           <a:prstGeom prst="rect">
             <a:avLst/>
@@ -1660,6 +1690,7 @@
         <p:txBody>
           <a:bodyPr lIns="0" rIns="0" tIns="0" bIns="0" anchor="ctr"/>
           <a:p>
+            <a:pPr algn="ctr"/>
             <a:endParaRPr b="0" lang="en-GB" sz="4400" spc="-1" strike="noStrike">
               <a:solidFill>
                 <a:srgbClr val="000000"/>
@@ -1698,7 +1729,7 @@
       </p:grpSpPr>
       <p:sp>
         <p:nvSpPr>
-          <p:cNvPr id="52" name="PlaceHolder 1"/>
+          <p:cNvPr id="46" name="PlaceHolder 1"/>
           <p:cNvSpPr>
             <a:spLocks noGrp="1"/>
           </p:cNvSpPr>
@@ -1708,8 +1739,8 @@
         </p:nvSpPr>
         <p:spPr>
           <a:xfrm>
-            <a:off x="503280" y="301680"/>
-            <a:ext cx="9069120" cy="5842080"/>
+            <a:off x="504000" y="301320"/>
+            <a:ext cx="9072000" cy="5850360"/>
           </a:xfrm>
           <a:prstGeom prst="rect">
             <a:avLst/>
@@ -1757,7 +1788,7 @@
       </p:grpSpPr>
       <p:sp>
         <p:nvSpPr>
-          <p:cNvPr id="53" name="PlaceHolder 1"/>
+          <p:cNvPr id="47" name="PlaceHolder 1"/>
           <p:cNvSpPr>
             <a:spLocks noGrp="1"/>
           </p:cNvSpPr>
@@ -1767,8 +1798,8 @@
         </p:nvSpPr>
         <p:spPr>
           <a:xfrm>
-            <a:off x="503280" y="301680"/>
-            <a:ext cx="9069120" cy="1260000"/>
+            <a:off x="504000" y="301320"/>
+            <a:ext cx="9072000" cy="1261800"/>
           </a:xfrm>
           <a:prstGeom prst="rect">
             <a:avLst/>
@@ -1777,6 +1808,7 @@
         <p:txBody>
           <a:bodyPr lIns="0" rIns="0" tIns="0" bIns="0" anchor="ctr"/>
           <a:p>
+            <a:pPr algn="ctr"/>
             <a:endParaRPr b="0" lang="en-GB" sz="4400" spc="-1" strike="noStrike">
               <a:solidFill>
                 <a:srgbClr val="000000"/>
@@ -1793,7 +1825,7 @@
       </p:sp>
       <p:sp>
         <p:nvSpPr>
-          <p:cNvPr id="54" name="PlaceHolder 2"/>
+          <p:cNvPr id="48" name="PlaceHolder 2"/>
           <p:cNvSpPr>
             <a:spLocks noGrp="1"/>
           </p:cNvSpPr>
@@ -1803,8 +1835,8 @@
         </p:nvSpPr>
         <p:spPr>
           <a:xfrm>
-            <a:off x="503280" y="1768320"/>
-            <a:ext cx="4425480" cy="2090160"/>
+            <a:off x="504000" y="1768680"/>
+            <a:ext cx="4426920" cy="2090880"/>
           </a:xfrm>
           <a:prstGeom prst="rect">
             <a:avLst/>
@@ -1829,7 +1861,7 @@
       </p:sp>
       <p:sp>
         <p:nvSpPr>
-          <p:cNvPr id="55" name="PlaceHolder 3"/>
+          <p:cNvPr id="49" name="PlaceHolder 3"/>
           <p:cNvSpPr>
             <a:spLocks noGrp="1"/>
           </p:cNvSpPr>
@@ -1839,8 +1871,8 @@
         </p:nvSpPr>
         <p:spPr>
           <a:xfrm>
-            <a:off x="503280" y="4057560"/>
-            <a:ext cx="4425480" cy="2090160"/>
+            <a:off x="504000" y="4058640"/>
+            <a:ext cx="4426920" cy="2090880"/>
           </a:xfrm>
           <a:prstGeom prst="rect">
             <a:avLst/>
@@ -1865,7 +1897,7 @@
       </p:sp>
       <p:sp>
         <p:nvSpPr>
-          <p:cNvPr id="56" name="PlaceHolder 4"/>
+          <p:cNvPr id="50" name="PlaceHolder 4"/>
           <p:cNvSpPr>
             <a:spLocks noGrp="1"/>
           </p:cNvSpPr>
@@ -1875,8 +1907,8 @@
         </p:nvSpPr>
         <p:spPr>
           <a:xfrm>
-            <a:off x="5150520" y="1768320"/>
-            <a:ext cx="4425480" cy="4382640"/>
+            <a:off x="5152680" y="1768680"/>
+            <a:ext cx="4426920" cy="4384080"/>
           </a:xfrm>
           <a:prstGeom prst="rect">
             <a:avLst/>
@@ -1923,7 +1955,7 @@
       </p:grpSpPr>
       <p:sp>
         <p:nvSpPr>
-          <p:cNvPr id="5" name="PlaceHolder 1"/>
+          <p:cNvPr id="2" name="PlaceHolder 1"/>
           <p:cNvSpPr>
             <a:spLocks noGrp="1"/>
           </p:cNvSpPr>
@@ -1933,8 +1965,8 @@
         </p:nvSpPr>
         <p:spPr>
           <a:xfrm>
-            <a:off x="503280" y="301680"/>
-            <a:ext cx="9069120" cy="1260000"/>
+            <a:off x="504000" y="301320"/>
+            <a:ext cx="9072000" cy="1261800"/>
           </a:xfrm>
           <a:prstGeom prst="rect">
             <a:avLst/>
@@ -1943,6 +1975,7 @@
         <p:txBody>
           <a:bodyPr lIns="0" rIns="0" tIns="0" bIns="0" anchor="ctr"/>
           <a:p>
+            <a:pPr algn="ctr"/>
             <a:endParaRPr b="0" lang="en-GB" sz="4400" spc="-1" strike="noStrike">
               <a:solidFill>
                 <a:srgbClr val="000000"/>
@@ -1959,7 +1992,7 @@
       </p:sp>
       <p:sp>
         <p:nvSpPr>
-          <p:cNvPr id="6" name="PlaceHolder 2"/>
+          <p:cNvPr id="3" name="PlaceHolder 2"/>
           <p:cNvSpPr>
             <a:spLocks noGrp="1"/>
           </p:cNvSpPr>
@@ -1969,8 +2002,8 @@
         </p:nvSpPr>
         <p:spPr>
           <a:xfrm>
-            <a:off x="503280" y="1768320"/>
-            <a:ext cx="9069120" cy="4382640"/>
+            <a:off x="504000" y="1768680"/>
+            <a:ext cx="9072000" cy="4384080"/>
           </a:xfrm>
           <a:prstGeom prst="rect">
             <a:avLst/>
@@ -2018,7 +2051,7 @@
       </p:grpSpPr>
       <p:sp>
         <p:nvSpPr>
-          <p:cNvPr id="57" name="PlaceHolder 1"/>
+          <p:cNvPr id="51" name="PlaceHolder 1"/>
           <p:cNvSpPr>
             <a:spLocks noGrp="1"/>
           </p:cNvSpPr>
@@ -2028,8 +2061,8 @@
         </p:nvSpPr>
         <p:spPr>
           <a:xfrm>
-            <a:off x="503280" y="301680"/>
-            <a:ext cx="9069120" cy="1260000"/>
+            <a:off x="504000" y="301320"/>
+            <a:ext cx="9072000" cy="1261800"/>
           </a:xfrm>
           <a:prstGeom prst="rect">
             <a:avLst/>
@@ -2038,6 +2071,7 @@
         <p:txBody>
           <a:bodyPr lIns="0" rIns="0" tIns="0" bIns="0" anchor="ctr"/>
           <a:p>
+            <a:pPr algn="ctr"/>
             <a:endParaRPr b="0" lang="en-GB" sz="4400" spc="-1" strike="noStrike">
               <a:solidFill>
                 <a:srgbClr val="000000"/>
@@ -2054,7 +2088,7 @@
       </p:sp>
       <p:sp>
         <p:nvSpPr>
-          <p:cNvPr id="58" name="PlaceHolder 2"/>
+          <p:cNvPr id="52" name="PlaceHolder 2"/>
           <p:cNvSpPr>
             <a:spLocks noGrp="1"/>
           </p:cNvSpPr>
@@ -2064,8 +2098,8 @@
         </p:nvSpPr>
         <p:spPr>
           <a:xfrm>
-            <a:off x="503280" y="1768320"/>
-            <a:ext cx="4425480" cy="4382640"/>
+            <a:off x="504000" y="1768680"/>
+            <a:ext cx="4426920" cy="4384080"/>
           </a:xfrm>
           <a:prstGeom prst="rect">
             <a:avLst/>
@@ -2090,7 +2124,7 @@
       </p:sp>
       <p:sp>
         <p:nvSpPr>
-          <p:cNvPr id="59" name="PlaceHolder 3"/>
+          <p:cNvPr id="53" name="PlaceHolder 3"/>
           <p:cNvSpPr>
             <a:spLocks noGrp="1"/>
           </p:cNvSpPr>
@@ -2100,8 +2134,8 @@
         </p:nvSpPr>
         <p:spPr>
           <a:xfrm>
-            <a:off x="5150520" y="1768320"/>
-            <a:ext cx="4425480" cy="2090160"/>
+            <a:off x="5152680" y="1768680"/>
+            <a:ext cx="4426920" cy="2090880"/>
           </a:xfrm>
           <a:prstGeom prst="rect">
             <a:avLst/>
@@ -2126,7 +2160,7 @@
       </p:sp>
       <p:sp>
         <p:nvSpPr>
-          <p:cNvPr id="60" name="PlaceHolder 4"/>
+          <p:cNvPr id="54" name="PlaceHolder 4"/>
           <p:cNvSpPr>
             <a:spLocks noGrp="1"/>
           </p:cNvSpPr>
@@ -2136,8 +2170,8 @@
         </p:nvSpPr>
         <p:spPr>
           <a:xfrm>
-            <a:off x="5150520" y="4057560"/>
-            <a:ext cx="4425480" cy="2090160"/>
+            <a:off x="5152680" y="4058640"/>
+            <a:ext cx="4426920" cy="2090880"/>
           </a:xfrm>
           <a:prstGeom prst="rect">
             <a:avLst/>
@@ -2184,7 +2218,7 @@
       </p:grpSpPr>
       <p:sp>
         <p:nvSpPr>
-          <p:cNvPr id="61" name="PlaceHolder 1"/>
+          <p:cNvPr id="55" name="PlaceHolder 1"/>
           <p:cNvSpPr>
             <a:spLocks noGrp="1"/>
           </p:cNvSpPr>
@@ -2194,8 +2228,8 @@
         </p:nvSpPr>
         <p:spPr>
           <a:xfrm>
-            <a:off x="503280" y="301680"/>
-            <a:ext cx="9069120" cy="1260000"/>
+            <a:off x="504000" y="301320"/>
+            <a:ext cx="9072000" cy="1261800"/>
           </a:xfrm>
           <a:prstGeom prst="rect">
             <a:avLst/>
@@ -2204,6 +2238,7 @@
         <p:txBody>
           <a:bodyPr lIns="0" rIns="0" tIns="0" bIns="0" anchor="ctr"/>
           <a:p>
+            <a:pPr algn="ctr"/>
             <a:endParaRPr b="0" lang="en-GB" sz="4400" spc="-1" strike="noStrike">
               <a:solidFill>
                 <a:srgbClr val="000000"/>
@@ -2220,7 +2255,7 @@
       </p:sp>
       <p:sp>
         <p:nvSpPr>
-          <p:cNvPr id="62" name="PlaceHolder 2"/>
+          <p:cNvPr id="56" name="PlaceHolder 2"/>
           <p:cNvSpPr>
             <a:spLocks noGrp="1"/>
           </p:cNvSpPr>
@@ -2230,8 +2265,8 @@
         </p:nvSpPr>
         <p:spPr>
           <a:xfrm>
-            <a:off x="503280" y="1768320"/>
-            <a:ext cx="4425480" cy="2090160"/>
+            <a:off x="504000" y="1768680"/>
+            <a:ext cx="4426920" cy="2090880"/>
           </a:xfrm>
           <a:prstGeom prst="rect">
             <a:avLst/>
@@ -2256,7 +2291,7 @@
       </p:sp>
       <p:sp>
         <p:nvSpPr>
-          <p:cNvPr id="63" name="PlaceHolder 3"/>
+          <p:cNvPr id="57" name="PlaceHolder 3"/>
           <p:cNvSpPr>
             <a:spLocks noGrp="1"/>
           </p:cNvSpPr>
@@ -2266,8 +2301,8 @@
         </p:nvSpPr>
         <p:spPr>
           <a:xfrm>
-            <a:off x="5150520" y="1768320"/>
-            <a:ext cx="4425480" cy="2090160"/>
+            <a:off x="5152680" y="1768680"/>
+            <a:ext cx="4426920" cy="2090880"/>
           </a:xfrm>
           <a:prstGeom prst="rect">
             <a:avLst/>
@@ -2292,7 +2327,7 @@
       </p:sp>
       <p:sp>
         <p:nvSpPr>
-          <p:cNvPr id="64" name="PlaceHolder 4"/>
+          <p:cNvPr id="58" name="PlaceHolder 4"/>
           <p:cNvSpPr>
             <a:spLocks noGrp="1"/>
           </p:cNvSpPr>
@@ -2302,8 +2337,8 @@
         </p:nvSpPr>
         <p:spPr>
           <a:xfrm>
-            <a:off x="503280" y="4057560"/>
-            <a:ext cx="9069120" cy="2090160"/>
+            <a:off x="504000" y="4058640"/>
+            <a:ext cx="9072000" cy="2090880"/>
           </a:xfrm>
           <a:prstGeom prst="rect">
             <a:avLst/>
@@ -2350,7 +2385,7 @@
       </p:grpSpPr>
       <p:sp>
         <p:nvSpPr>
-          <p:cNvPr id="65" name="PlaceHolder 1"/>
+          <p:cNvPr id="59" name="PlaceHolder 1"/>
           <p:cNvSpPr>
             <a:spLocks noGrp="1"/>
           </p:cNvSpPr>
@@ -2360,8 +2395,8 @@
         </p:nvSpPr>
         <p:spPr>
           <a:xfrm>
-            <a:off x="503280" y="301680"/>
-            <a:ext cx="9069120" cy="1260000"/>
+            <a:off x="504000" y="301320"/>
+            <a:ext cx="9072000" cy="1261800"/>
           </a:xfrm>
           <a:prstGeom prst="rect">
             <a:avLst/>
@@ -2370,6 +2405,7 @@
         <p:txBody>
           <a:bodyPr lIns="0" rIns="0" tIns="0" bIns="0" anchor="ctr"/>
           <a:p>
+            <a:pPr algn="ctr"/>
             <a:endParaRPr b="0" lang="en-GB" sz="4400" spc="-1" strike="noStrike">
               <a:solidFill>
                 <a:srgbClr val="000000"/>
@@ -2386,7 +2422,7 @@
       </p:sp>
       <p:sp>
         <p:nvSpPr>
-          <p:cNvPr id="66" name="PlaceHolder 2"/>
+          <p:cNvPr id="60" name="PlaceHolder 2"/>
           <p:cNvSpPr>
             <a:spLocks noGrp="1"/>
           </p:cNvSpPr>
@@ -2396,8 +2432,8 @@
         </p:nvSpPr>
         <p:spPr>
           <a:xfrm>
-            <a:off x="503280" y="1768320"/>
-            <a:ext cx="9069120" cy="2090160"/>
+            <a:off x="504000" y="1768680"/>
+            <a:ext cx="9072000" cy="2090880"/>
           </a:xfrm>
           <a:prstGeom prst="rect">
             <a:avLst/>
@@ -2422,7 +2458,7 @@
       </p:sp>
       <p:sp>
         <p:nvSpPr>
-          <p:cNvPr id="67" name="PlaceHolder 3"/>
+          <p:cNvPr id="61" name="PlaceHolder 3"/>
           <p:cNvSpPr>
             <a:spLocks noGrp="1"/>
           </p:cNvSpPr>
@@ -2432,8 +2468,8 @@
         </p:nvSpPr>
         <p:spPr>
           <a:xfrm>
-            <a:off x="503280" y="4057560"/>
-            <a:ext cx="9069120" cy="2090160"/>
+            <a:off x="504000" y="4058640"/>
+            <a:ext cx="9072000" cy="2090880"/>
           </a:xfrm>
           <a:prstGeom prst="rect">
             <a:avLst/>
@@ -2480,7 +2516,7 @@
       </p:grpSpPr>
       <p:sp>
         <p:nvSpPr>
-          <p:cNvPr id="68" name="PlaceHolder 1"/>
+          <p:cNvPr id="62" name="PlaceHolder 1"/>
           <p:cNvSpPr>
             <a:spLocks noGrp="1"/>
           </p:cNvSpPr>
@@ -2490,8 +2526,8 @@
         </p:nvSpPr>
         <p:spPr>
           <a:xfrm>
-            <a:off x="503280" y="301680"/>
-            <a:ext cx="9069120" cy="1260000"/>
+            <a:off x="504000" y="301320"/>
+            <a:ext cx="9072000" cy="1261800"/>
           </a:xfrm>
           <a:prstGeom prst="rect">
             <a:avLst/>
@@ -2500,6 +2536,7 @@
         <p:txBody>
           <a:bodyPr lIns="0" rIns="0" tIns="0" bIns="0" anchor="ctr"/>
           <a:p>
+            <a:pPr algn="ctr"/>
             <a:endParaRPr b="0" lang="en-GB" sz="4400" spc="-1" strike="noStrike">
               <a:solidFill>
                 <a:srgbClr val="000000"/>
@@ -2516,7 +2553,7 @@
       </p:sp>
       <p:sp>
         <p:nvSpPr>
-          <p:cNvPr id="69" name="PlaceHolder 2"/>
+          <p:cNvPr id="63" name="PlaceHolder 2"/>
           <p:cNvSpPr>
             <a:spLocks noGrp="1"/>
           </p:cNvSpPr>
@@ -2526,8 +2563,8 @@
         </p:nvSpPr>
         <p:spPr>
           <a:xfrm>
-            <a:off x="503280" y="1768320"/>
-            <a:ext cx="4425480" cy="2090160"/>
+            <a:off x="504000" y="1768680"/>
+            <a:ext cx="4426920" cy="2090880"/>
           </a:xfrm>
           <a:prstGeom prst="rect">
             <a:avLst/>
@@ -2552,7 +2589,7 @@
       </p:sp>
       <p:sp>
         <p:nvSpPr>
-          <p:cNvPr id="70" name="PlaceHolder 3"/>
+          <p:cNvPr id="64" name="PlaceHolder 3"/>
           <p:cNvSpPr>
             <a:spLocks noGrp="1"/>
           </p:cNvSpPr>
@@ -2562,8 +2599,8 @@
         </p:nvSpPr>
         <p:spPr>
           <a:xfrm>
-            <a:off x="5150520" y="1768320"/>
-            <a:ext cx="4425480" cy="2090160"/>
+            <a:off x="5152680" y="1768680"/>
+            <a:ext cx="4426920" cy="2090880"/>
           </a:xfrm>
           <a:prstGeom prst="rect">
             <a:avLst/>
@@ -2588,7 +2625,7 @@
       </p:sp>
       <p:sp>
         <p:nvSpPr>
-          <p:cNvPr id="71" name="PlaceHolder 4"/>
+          <p:cNvPr id="65" name="PlaceHolder 4"/>
           <p:cNvSpPr>
             <a:spLocks noGrp="1"/>
           </p:cNvSpPr>
@@ -2598,8 +2635,8 @@
         </p:nvSpPr>
         <p:spPr>
           <a:xfrm>
-            <a:off x="5150520" y="4057560"/>
-            <a:ext cx="4425480" cy="2090160"/>
+            <a:off x="5152680" y="4058640"/>
+            <a:ext cx="4426920" cy="2090880"/>
           </a:xfrm>
           <a:prstGeom prst="rect">
             <a:avLst/>
@@ -2624,7 +2661,7 @@
       </p:sp>
       <p:sp>
         <p:nvSpPr>
-          <p:cNvPr id="72" name="PlaceHolder 5"/>
+          <p:cNvPr id="66" name="PlaceHolder 5"/>
           <p:cNvSpPr>
             <a:spLocks noGrp="1"/>
           </p:cNvSpPr>
@@ -2634,8 +2671,8 @@
         </p:nvSpPr>
         <p:spPr>
           <a:xfrm>
-            <a:off x="503280" y="4057560"/>
-            <a:ext cx="4425480" cy="2090160"/>
+            <a:off x="504000" y="4058640"/>
+            <a:ext cx="4426920" cy="2090880"/>
           </a:xfrm>
           <a:prstGeom prst="rect">
             <a:avLst/>
@@ -2682,7 +2719,7 @@
       </p:grpSpPr>
       <p:sp>
         <p:nvSpPr>
-          <p:cNvPr id="73" name="PlaceHolder 1"/>
+          <p:cNvPr id="67" name="PlaceHolder 1"/>
           <p:cNvSpPr>
             <a:spLocks noGrp="1"/>
           </p:cNvSpPr>
@@ -2692,8 +2729,8 @@
         </p:nvSpPr>
         <p:spPr>
           <a:xfrm>
-            <a:off x="503280" y="301680"/>
-            <a:ext cx="9069120" cy="1260000"/>
+            <a:off x="504000" y="301320"/>
+            <a:ext cx="9072000" cy="1261800"/>
           </a:xfrm>
           <a:prstGeom prst="rect">
             <a:avLst/>
@@ -2702,6 +2739,7 @@
         <p:txBody>
           <a:bodyPr lIns="0" rIns="0" tIns="0" bIns="0" anchor="ctr"/>
           <a:p>
+            <a:pPr algn="ctr"/>
             <a:endParaRPr b="0" lang="en-GB" sz="4400" spc="-1" strike="noStrike">
               <a:solidFill>
                 <a:srgbClr val="000000"/>
@@ -2718,7 +2756,7 @@
       </p:sp>
       <p:sp>
         <p:nvSpPr>
-          <p:cNvPr id="74" name="PlaceHolder 2"/>
+          <p:cNvPr id="68" name="PlaceHolder 2"/>
           <p:cNvSpPr>
             <a:spLocks noGrp="1"/>
           </p:cNvSpPr>
@@ -2728,8 +2766,8 @@
         </p:nvSpPr>
         <p:spPr>
           <a:xfrm>
-            <a:off x="503280" y="1768320"/>
-            <a:ext cx="9069120" cy="4382640"/>
+            <a:off x="504000" y="1768680"/>
+            <a:ext cx="9072000" cy="4384080"/>
           </a:xfrm>
           <a:prstGeom prst="rect">
             <a:avLst/>
@@ -2754,7 +2792,7 @@
       </p:sp>
       <p:sp>
         <p:nvSpPr>
-          <p:cNvPr id="75" name="PlaceHolder 3"/>
+          <p:cNvPr id="69" name="PlaceHolder 3"/>
           <p:cNvSpPr>
             <a:spLocks noGrp="1"/>
           </p:cNvSpPr>
@@ -2764,8 +2802,8 @@
         </p:nvSpPr>
         <p:spPr>
           <a:xfrm>
-            <a:off x="503280" y="1768320"/>
-            <a:ext cx="9069120" cy="4382640"/>
+            <a:off x="504000" y="1768680"/>
+            <a:ext cx="9072000" cy="4384080"/>
           </a:xfrm>
           <a:prstGeom prst="rect">
             <a:avLst/>
@@ -2790,7 +2828,7 @@
       </p:sp>
       <p:pic>
         <p:nvPicPr>
-          <p:cNvPr id="76" name="" descr=""/>
+          <p:cNvPr id="70" name="" descr=""/>
           <p:cNvPicPr/>
           <p:nvPr/>
         </p:nvPicPr>
@@ -2800,8 +2838,8 @@
         </p:blipFill>
         <p:spPr>
           <a:xfrm>
-            <a:off x="2291400" y="1768320"/>
-            <a:ext cx="5492880" cy="4382640"/>
+            <a:off x="2292480" y="1768680"/>
+            <a:ext cx="5494680" cy="4384080"/>
           </a:xfrm>
           <a:prstGeom prst="rect">
             <a:avLst/>
@@ -2813,7 +2851,7 @@
       </p:pic>
       <p:pic>
         <p:nvPicPr>
-          <p:cNvPr id="77" name="" descr=""/>
+          <p:cNvPr id="71" name="" descr=""/>
           <p:cNvPicPr/>
           <p:nvPr/>
         </p:nvPicPr>
@@ -2823,8 +2861,8 @@
         </p:blipFill>
         <p:spPr>
           <a:xfrm>
-            <a:off x="2291400" y="1768320"/>
-            <a:ext cx="5492880" cy="4382640"/>
+            <a:off x="2292480" y="1768680"/>
+            <a:ext cx="5494680" cy="4384080"/>
           </a:xfrm>
           <a:prstGeom prst="rect">
             <a:avLst/>
@@ -2858,7 +2896,7 @@
       </p:grpSpPr>
       <p:sp>
         <p:nvSpPr>
-          <p:cNvPr id="7" name="PlaceHolder 1"/>
+          <p:cNvPr id="4" name="PlaceHolder 1"/>
           <p:cNvSpPr>
             <a:spLocks noGrp="1"/>
           </p:cNvSpPr>
@@ -2868,8 +2906,8 @@
         </p:nvSpPr>
         <p:spPr>
           <a:xfrm>
-            <a:off x="503280" y="301680"/>
-            <a:ext cx="9069120" cy="1260000"/>
+            <a:off x="504000" y="301320"/>
+            <a:ext cx="9072000" cy="1261800"/>
           </a:xfrm>
           <a:prstGeom prst="rect">
             <a:avLst/>
@@ -2878,6 +2916,7 @@
         <p:txBody>
           <a:bodyPr lIns="0" rIns="0" tIns="0" bIns="0" anchor="ctr"/>
           <a:p>
+            <a:pPr algn="ctr"/>
             <a:endParaRPr b="0" lang="en-GB" sz="4400" spc="-1" strike="noStrike">
               <a:solidFill>
                 <a:srgbClr val="000000"/>
@@ -2894,7 +2933,7 @@
       </p:sp>
       <p:sp>
         <p:nvSpPr>
-          <p:cNvPr id="8" name="PlaceHolder 2"/>
+          <p:cNvPr id="5" name="PlaceHolder 2"/>
           <p:cNvSpPr>
             <a:spLocks noGrp="1"/>
           </p:cNvSpPr>
@@ -2904,8 +2943,8 @@
         </p:nvSpPr>
         <p:spPr>
           <a:xfrm>
-            <a:off x="503280" y="1768320"/>
-            <a:ext cx="9069120" cy="4382640"/>
+            <a:off x="504000" y="1768680"/>
+            <a:ext cx="9072000" cy="4384080"/>
           </a:xfrm>
           <a:prstGeom prst="rect">
             <a:avLst/>
@@ -2952,7 +2991,7 @@
       </p:grpSpPr>
       <p:sp>
         <p:nvSpPr>
-          <p:cNvPr id="9" name="PlaceHolder 1"/>
+          <p:cNvPr id="6" name="PlaceHolder 1"/>
           <p:cNvSpPr>
             <a:spLocks noGrp="1"/>
           </p:cNvSpPr>
@@ -2962,8 +3001,8 @@
         </p:nvSpPr>
         <p:spPr>
           <a:xfrm>
-            <a:off x="503280" y="301680"/>
-            <a:ext cx="9069120" cy="1260000"/>
+            <a:off x="504000" y="301320"/>
+            <a:ext cx="9072000" cy="1261800"/>
           </a:xfrm>
           <a:prstGeom prst="rect">
             <a:avLst/>
@@ -2972,6 +3011,7 @@
         <p:txBody>
           <a:bodyPr lIns="0" rIns="0" tIns="0" bIns="0" anchor="ctr"/>
           <a:p>
+            <a:pPr algn="ctr"/>
             <a:endParaRPr b="0" lang="en-GB" sz="4400" spc="-1" strike="noStrike">
               <a:solidFill>
                 <a:srgbClr val="000000"/>
@@ -2988,7 +3028,7 @@
       </p:sp>
       <p:sp>
         <p:nvSpPr>
-          <p:cNvPr id="10" name="PlaceHolder 2"/>
+          <p:cNvPr id="7" name="PlaceHolder 2"/>
           <p:cNvSpPr>
             <a:spLocks noGrp="1"/>
           </p:cNvSpPr>
@@ -2998,8 +3038,8 @@
         </p:nvSpPr>
         <p:spPr>
           <a:xfrm>
-            <a:off x="503280" y="1768320"/>
-            <a:ext cx="4425480" cy="4382640"/>
+            <a:off x="504000" y="1768680"/>
+            <a:ext cx="4426920" cy="4384080"/>
           </a:xfrm>
           <a:prstGeom prst="rect">
             <a:avLst/>
@@ -3024,7 +3064,7 @@
       </p:sp>
       <p:sp>
         <p:nvSpPr>
-          <p:cNvPr id="11" name="PlaceHolder 3"/>
+          <p:cNvPr id="8" name="PlaceHolder 3"/>
           <p:cNvSpPr>
             <a:spLocks noGrp="1"/>
           </p:cNvSpPr>
@@ -3034,8 +3074,8 @@
         </p:nvSpPr>
         <p:spPr>
           <a:xfrm>
-            <a:off x="5150520" y="1768320"/>
-            <a:ext cx="4425480" cy="4382640"/>
+            <a:off x="5152680" y="1768680"/>
+            <a:ext cx="4426920" cy="4384080"/>
           </a:xfrm>
           <a:prstGeom prst="rect">
             <a:avLst/>
@@ -3082,7 +3122,7 @@
       </p:grpSpPr>
       <p:sp>
         <p:nvSpPr>
-          <p:cNvPr id="12" name="PlaceHolder 1"/>
+          <p:cNvPr id="9" name="PlaceHolder 1"/>
           <p:cNvSpPr>
             <a:spLocks noGrp="1"/>
           </p:cNvSpPr>
@@ -3092,8 +3132,8 @@
         </p:nvSpPr>
         <p:spPr>
           <a:xfrm>
-            <a:off x="503280" y="301680"/>
-            <a:ext cx="9069120" cy="1260000"/>
+            <a:off x="504000" y="301320"/>
+            <a:ext cx="9072000" cy="1261800"/>
           </a:xfrm>
           <a:prstGeom prst="rect">
             <a:avLst/>
@@ -3102,6 +3142,7 @@
         <p:txBody>
           <a:bodyPr lIns="0" rIns="0" tIns="0" bIns="0" anchor="ctr"/>
           <a:p>
+            <a:pPr algn="ctr"/>
             <a:endParaRPr b="0" lang="en-GB" sz="4400" spc="-1" strike="noStrike">
               <a:solidFill>
                 <a:srgbClr val="000000"/>
@@ -3140,7 +3181,7 @@
       </p:grpSpPr>
       <p:sp>
         <p:nvSpPr>
-          <p:cNvPr id="13" name="PlaceHolder 1"/>
+          <p:cNvPr id="10" name="PlaceHolder 1"/>
           <p:cNvSpPr>
             <a:spLocks noGrp="1"/>
           </p:cNvSpPr>
@@ -3150,8 +3191,8 @@
         </p:nvSpPr>
         <p:spPr>
           <a:xfrm>
-            <a:off x="503280" y="301680"/>
-            <a:ext cx="9069120" cy="5842080"/>
+            <a:off x="504000" y="301320"/>
+            <a:ext cx="9072000" cy="5850360"/>
           </a:xfrm>
           <a:prstGeom prst="rect">
             <a:avLst/>
@@ -3199,7 +3240,7 @@
       </p:grpSpPr>
       <p:sp>
         <p:nvSpPr>
-          <p:cNvPr id="14" name="PlaceHolder 1"/>
+          <p:cNvPr id="11" name="PlaceHolder 1"/>
           <p:cNvSpPr>
             <a:spLocks noGrp="1"/>
           </p:cNvSpPr>
@@ -3209,8 +3250,8 @@
         </p:nvSpPr>
         <p:spPr>
           <a:xfrm>
-            <a:off x="503280" y="301680"/>
-            <a:ext cx="9069120" cy="1260000"/>
+            <a:off x="504000" y="301320"/>
+            <a:ext cx="9072000" cy="1261800"/>
           </a:xfrm>
           <a:prstGeom prst="rect">
             <a:avLst/>
@@ -3219,6 +3260,7 @@
         <p:txBody>
           <a:bodyPr lIns="0" rIns="0" tIns="0" bIns="0" anchor="ctr"/>
           <a:p>
+            <a:pPr algn="ctr"/>
             <a:endParaRPr b="0" lang="en-GB" sz="4400" spc="-1" strike="noStrike">
               <a:solidFill>
                 <a:srgbClr val="000000"/>
@@ -3235,7 +3277,7 @@
       </p:sp>
       <p:sp>
         <p:nvSpPr>
-          <p:cNvPr id="15" name="PlaceHolder 2"/>
+          <p:cNvPr id="12" name="PlaceHolder 2"/>
           <p:cNvSpPr>
             <a:spLocks noGrp="1"/>
           </p:cNvSpPr>
@@ -3245,8 +3287,8 @@
         </p:nvSpPr>
         <p:spPr>
           <a:xfrm>
-            <a:off x="503280" y="1768320"/>
-            <a:ext cx="4425480" cy="2090160"/>
+            <a:off x="504000" y="1768680"/>
+            <a:ext cx="4426920" cy="2090880"/>
           </a:xfrm>
           <a:prstGeom prst="rect">
             <a:avLst/>
@@ -3271,7 +3313,7 @@
       </p:sp>
       <p:sp>
         <p:nvSpPr>
-          <p:cNvPr id="16" name="PlaceHolder 3"/>
+          <p:cNvPr id="13" name="PlaceHolder 3"/>
           <p:cNvSpPr>
             <a:spLocks noGrp="1"/>
           </p:cNvSpPr>
@@ -3281,8 +3323,8 @@
         </p:nvSpPr>
         <p:spPr>
           <a:xfrm>
-            <a:off x="503280" y="4057560"/>
-            <a:ext cx="4425480" cy="2090160"/>
+            <a:off x="504000" y="4058640"/>
+            <a:ext cx="4426920" cy="2090880"/>
           </a:xfrm>
           <a:prstGeom prst="rect">
             <a:avLst/>
@@ -3307,7 +3349,7 @@
       </p:sp>
       <p:sp>
         <p:nvSpPr>
-          <p:cNvPr id="17" name="PlaceHolder 4"/>
+          <p:cNvPr id="14" name="PlaceHolder 4"/>
           <p:cNvSpPr>
             <a:spLocks noGrp="1"/>
           </p:cNvSpPr>
@@ -3317,8 +3359,8 @@
         </p:nvSpPr>
         <p:spPr>
           <a:xfrm>
-            <a:off x="5150520" y="1768320"/>
-            <a:ext cx="4425480" cy="4382640"/>
+            <a:off x="5152680" y="1768680"/>
+            <a:ext cx="4426920" cy="4384080"/>
           </a:xfrm>
           <a:prstGeom prst="rect">
             <a:avLst/>
@@ -3365,7 +3407,7 @@
       </p:grpSpPr>
       <p:sp>
         <p:nvSpPr>
-          <p:cNvPr id="18" name="PlaceHolder 1"/>
+          <p:cNvPr id="15" name="PlaceHolder 1"/>
           <p:cNvSpPr>
             <a:spLocks noGrp="1"/>
           </p:cNvSpPr>
@@ -3375,8 +3417,8 @@
         </p:nvSpPr>
         <p:spPr>
           <a:xfrm>
-            <a:off x="503280" y="301680"/>
-            <a:ext cx="9069120" cy="1260000"/>
+            <a:off x="504000" y="301320"/>
+            <a:ext cx="9072000" cy="1261800"/>
           </a:xfrm>
           <a:prstGeom prst="rect">
             <a:avLst/>
@@ -3385,6 +3427,7 @@
         <p:txBody>
           <a:bodyPr lIns="0" rIns="0" tIns="0" bIns="0" anchor="ctr"/>
           <a:p>
+            <a:pPr algn="ctr"/>
             <a:endParaRPr b="0" lang="en-GB" sz="4400" spc="-1" strike="noStrike">
               <a:solidFill>
                 <a:srgbClr val="000000"/>
@@ -3401,7 +3444,7 @@
       </p:sp>
       <p:sp>
         <p:nvSpPr>
-          <p:cNvPr id="19" name="PlaceHolder 2"/>
+          <p:cNvPr id="16" name="PlaceHolder 2"/>
           <p:cNvSpPr>
             <a:spLocks noGrp="1"/>
           </p:cNvSpPr>
@@ -3411,8 +3454,8 @@
         </p:nvSpPr>
         <p:spPr>
           <a:xfrm>
-            <a:off x="503280" y="1768320"/>
-            <a:ext cx="4425480" cy="4382640"/>
+            <a:off x="504000" y="1768680"/>
+            <a:ext cx="4426920" cy="4384080"/>
           </a:xfrm>
           <a:prstGeom prst="rect">
             <a:avLst/>
@@ -3437,7 +3480,7 @@
       </p:sp>
       <p:sp>
         <p:nvSpPr>
-          <p:cNvPr id="20" name="PlaceHolder 3"/>
+          <p:cNvPr id="17" name="PlaceHolder 3"/>
           <p:cNvSpPr>
             <a:spLocks noGrp="1"/>
           </p:cNvSpPr>
@@ -3447,8 +3490,8 @@
         </p:nvSpPr>
         <p:spPr>
           <a:xfrm>
-            <a:off x="5150520" y="1768320"/>
-            <a:ext cx="4425480" cy="2090160"/>
+            <a:off x="5152680" y="1768680"/>
+            <a:ext cx="4426920" cy="2090880"/>
           </a:xfrm>
           <a:prstGeom prst="rect">
             <a:avLst/>
@@ -3473,7 +3516,7 @@
       </p:sp>
       <p:sp>
         <p:nvSpPr>
-          <p:cNvPr id="21" name="PlaceHolder 4"/>
+          <p:cNvPr id="18" name="PlaceHolder 4"/>
           <p:cNvSpPr>
             <a:spLocks noGrp="1"/>
           </p:cNvSpPr>
@@ -3483,8 +3526,8 @@
         </p:nvSpPr>
         <p:spPr>
           <a:xfrm>
-            <a:off x="5150520" y="4057560"/>
-            <a:ext cx="4425480" cy="2090160"/>
+            <a:off x="5152680" y="4058640"/>
+            <a:ext cx="4426920" cy="2090880"/>
           </a:xfrm>
           <a:prstGeom prst="rect">
             <a:avLst/>
@@ -3531,7 +3574,7 @@
       </p:grpSpPr>
       <p:sp>
         <p:nvSpPr>
-          <p:cNvPr id="22" name="PlaceHolder 1"/>
+          <p:cNvPr id="19" name="PlaceHolder 1"/>
           <p:cNvSpPr>
             <a:spLocks noGrp="1"/>
           </p:cNvSpPr>
@@ -3541,8 +3584,8 @@
         </p:nvSpPr>
         <p:spPr>
           <a:xfrm>
-            <a:off x="503280" y="301680"/>
-            <a:ext cx="9069120" cy="1260000"/>
+            <a:off x="504000" y="301320"/>
+            <a:ext cx="9072000" cy="1261800"/>
           </a:xfrm>
           <a:prstGeom prst="rect">
             <a:avLst/>
@@ -3551,6 +3594,7 @@
         <p:txBody>
           <a:bodyPr lIns="0" rIns="0" tIns="0" bIns="0" anchor="ctr"/>
           <a:p>
+            <a:pPr algn="ctr"/>
             <a:endParaRPr b="0" lang="en-GB" sz="4400" spc="-1" strike="noStrike">
               <a:solidFill>
                 <a:srgbClr val="000000"/>
@@ -3567,7 +3611,7 @@
       </p:sp>
       <p:sp>
         <p:nvSpPr>
-          <p:cNvPr id="23" name="PlaceHolder 2"/>
+          <p:cNvPr id="20" name="PlaceHolder 2"/>
           <p:cNvSpPr>
             <a:spLocks noGrp="1"/>
           </p:cNvSpPr>
@@ -3577,8 +3621,8 @@
         </p:nvSpPr>
         <p:spPr>
           <a:xfrm>
-            <a:off x="503280" y="1768320"/>
-            <a:ext cx="4425480" cy="2090160"/>
+            <a:off x="504000" y="1768680"/>
+            <a:ext cx="4426920" cy="2090880"/>
           </a:xfrm>
           <a:prstGeom prst="rect">
             <a:avLst/>
@@ -3603,7 +3647,7 @@
       </p:sp>
       <p:sp>
         <p:nvSpPr>
-          <p:cNvPr id="24" name="PlaceHolder 3"/>
+          <p:cNvPr id="21" name="PlaceHolder 3"/>
           <p:cNvSpPr>
             <a:spLocks noGrp="1"/>
           </p:cNvSpPr>
@@ -3613,8 +3657,8 @@
         </p:nvSpPr>
         <p:spPr>
           <a:xfrm>
-            <a:off x="5150520" y="1768320"/>
-            <a:ext cx="4425480" cy="2090160"/>
+            <a:off x="5152680" y="1768680"/>
+            <a:ext cx="4426920" cy="2090880"/>
           </a:xfrm>
           <a:prstGeom prst="rect">
             <a:avLst/>
@@ -3639,7 +3683,7 @@
       </p:sp>
       <p:sp>
         <p:nvSpPr>
-          <p:cNvPr id="25" name="PlaceHolder 4"/>
+          <p:cNvPr id="22" name="PlaceHolder 4"/>
           <p:cNvSpPr>
             <a:spLocks noGrp="1"/>
           </p:cNvSpPr>
@@ -3649,8 +3693,8 @@
         </p:nvSpPr>
         <p:spPr>
           <a:xfrm>
-            <a:off x="503280" y="4057560"/>
-            <a:ext cx="9069120" cy="2090160"/>
+            <a:off x="504000" y="4058640"/>
+            <a:ext cx="9072000" cy="2090880"/>
           </a:xfrm>
           <a:prstGeom prst="rect">
             <a:avLst/>
@@ -3714,8 +3758,8 @@
         </p:nvSpPr>
         <p:spPr>
           <a:xfrm>
-            <a:off x="503280" y="301680"/>
-            <a:ext cx="9069120" cy="1260000"/>
+            <a:off x="504000" y="301320"/>
+            <a:ext cx="9072000" cy="1261800"/>
           </a:xfrm>
           <a:prstGeom prst="rect">
             <a:avLst/>
@@ -3724,11 +3768,7 @@
         <p:txBody>
           <a:bodyPr lIns="0" rIns="0" tIns="0" bIns="0" anchor="ctr"/>
           <a:p>
-            <a:pPr algn="ctr">
-              <a:lnSpc>
-                <a:spcPct val="93000"/>
-              </a:lnSpc>
-            </a:pPr>
+            <a:pPr algn="ctr"/>
             <a:r>
               <a:rPr b="0" lang="en-GB" sz="4400" spc="-1" strike="noStrike">
                 <a:solidFill>
@@ -3740,9 +3780,8 @@
                   </a:solidFill>
                 </a:uFill>
                 <a:latin typeface="Arial"/>
-                <a:ea typeface="Noto Sans CJK SC Regular"/>
               </a:rPr>
-              <a:t>Click to edit Master title style</a:t>
+              <a:t>Click to edit the title text format</a:t>
             </a:r>
             <a:endParaRPr b="0" lang="en-GB" sz="4400" spc="-1" strike="noStrike">
               <a:solidFill>
@@ -3761,134 +3800,6 @@
       <p:sp>
         <p:nvSpPr>
           <p:cNvPr id="1" name="PlaceHolder 2"/>
-          <p:cNvSpPr>
-            <a:spLocks noGrp="1"/>
-          </p:cNvSpPr>
-          <p:nvPr>
-            <p:ph type="dt"/>
-          </p:nvPr>
-        </p:nvSpPr>
-        <p:spPr>
-          <a:xfrm>
-            <a:off x="503280" y="6886440"/>
-            <a:ext cx="2346120" cy="518760"/>
-          </a:xfrm>
-          <a:prstGeom prst="rect">
-            <a:avLst/>
-          </a:prstGeom>
-        </p:spPr>
-        <p:txBody>
-          <a:bodyPr lIns="0" rIns="0" tIns="0" bIns="0"/>
-          <a:p>
-            <a:endParaRPr b="0" lang="en-GB" sz="2400" spc="-1" strike="noStrike">
-              <a:solidFill>
-                <a:srgbClr val="000000"/>
-              </a:solidFill>
-              <a:uFill>
-                <a:solidFill>
-                  <a:srgbClr val="ffffff"/>
-                </a:solidFill>
-              </a:uFill>
-              <a:latin typeface="Times New Roman"/>
-            </a:endParaRPr>
-          </a:p>
-        </p:txBody>
-      </p:sp>
-      <p:sp>
-        <p:nvSpPr>
-          <p:cNvPr id="2" name="PlaceHolder 3"/>
-          <p:cNvSpPr>
-            <a:spLocks noGrp="1"/>
-          </p:cNvSpPr>
-          <p:nvPr>
-            <p:ph type="ftr"/>
-          </p:nvPr>
-        </p:nvSpPr>
-        <p:spPr>
-          <a:xfrm>
-            <a:off x="3448080" y="6886440"/>
-            <a:ext cx="3193560" cy="518760"/>
-          </a:xfrm>
-          <a:prstGeom prst="rect">
-            <a:avLst/>
-          </a:prstGeom>
-        </p:spPr>
-        <p:txBody>
-          <a:bodyPr lIns="0" rIns="0" tIns="0" bIns="0"/>
-          <a:p>
-            <a:endParaRPr b="0" lang="en-GB" sz="2400" spc="-1" strike="noStrike">
-              <a:solidFill>
-                <a:srgbClr val="000000"/>
-              </a:solidFill>
-              <a:uFill>
-                <a:solidFill>
-                  <a:srgbClr val="ffffff"/>
-                </a:solidFill>
-              </a:uFill>
-              <a:latin typeface="Times New Roman"/>
-            </a:endParaRPr>
-          </a:p>
-        </p:txBody>
-      </p:sp>
-      <p:sp>
-        <p:nvSpPr>
-          <p:cNvPr id="3" name="PlaceHolder 4"/>
-          <p:cNvSpPr>
-            <a:spLocks noGrp="1"/>
-          </p:cNvSpPr>
-          <p:nvPr>
-            <p:ph type="sldNum"/>
-          </p:nvPr>
-        </p:nvSpPr>
-        <p:spPr>
-          <a:xfrm>
-            <a:off x="7227720" y="6886440"/>
-            <a:ext cx="2346120" cy="518760"/>
-          </a:xfrm>
-          <a:prstGeom prst="rect">
-            <a:avLst/>
-          </a:prstGeom>
-        </p:spPr>
-        <p:txBody>
-          <a:bodyPr lIns="0" rIns="0" tIns="0" bIns="0"/>
-          <a:p>
-            <a:pPr algn="r">
-              <a:lnSpc>
-                <a:spcPct val="100000"/>
-              </a:lnSpc>
-            </a:pPr>
-            <a:fld id="{873BB101-FA74-46F4-B15A-EF52E7C61A2F}" type="slidenum">
-              <a:rPr b="0" lang="en-GB" sz="1400" spc="-1" strike="noStrike">
-                <a:solidFill>
-                  <a:srgbClr val="000000"/>
-                </a:solidFill>
-                <a:uFill>
-                  <a:solidFill>
-                    <a:srgbClr val="ffffff"/>
-                  </a:solidFill>
-                </a:uFill>
-                <a:latin typeface="Times New Roman"/>
-                <a:ea typeface="DejaVu Sans"/>
-              </a:rPr>
-              <a:t>&lt;number&gt;</a:t>
-            </a:fld>
-            <a:endParaRPr b="0" lang="en-GB" sz="1400" spc="-1" strike="noStrike">
-              <a:solidFill>
-                <a:srgbClr val="000000"/>
-              </a:solidFill>
-              <a:uFill>
-                <a:solidFill>
-                  <a:srgbClr val="ffffff"/>
-                </a:solidFill>
-              </a:uFill>
-              <a:latin typeface="Times New Roman"/>
-            </a:endParaRPr>
-          </a:p>
-        </p:txBody>
-      </p:sp>
-      <p:sp>
-        <p:nvSpPr>
-          <p:cNvPr id="4" name="PlaceHolder 5"/>
           <p:cNvSpPr>
             <a:spLocks noGrp="1"/>
           </p:cNvSpPr>
@@ -3952,7 +3863,7 @@
               <a:buChar char=""/>
             </a:pPr>
             <a:r>
-              <a:rPr b="0" lang="en-GB" sz="2400" spc="-1" strike="noStrike">
+              <a:rPr b="0" lang="en-GB" sz="2800" spc="-1" strike="noStrike">
                 <a:solidFill>
                   <a:srgbClr val="000000"/>
                 </a:solidFill>
@@ -3965,7 +3876,7 @@
               </a:rPr>
               <a:t>Second Outline Level</a:t>
             </a:r>
-            <a:endParaRPr b="0" lang="en-GB" sz="2400" spc="-1" strike="noStrike">
+            <a:endParaRPr b="0" lang="en-GB" sz="2800" spc="-1" strike="noStrike">
               <a:solidFill>
                 <a:srgbClr val="000000"/>
               </a:solidFill>
@@ -3987,7 +3898,7 @@
               <a:buChar char=""/>
             </a:pPr>
             <a:r>
-              <a:rPr b="0" lang="en-GB" sz="2000" spc="-1" strike="noStrike">
+              <a:rPr b="0" lang="en-GB" sz="2400" spc="-1" strike="noStrike">
                 <a:solidFill>
                   <a:srgbClr val="000000"/>
                 </a:solidFill>
@@ -4000,7 +3911,7 @@
               </a:rPr>
               <a:t>Third Outline Level</a:t>
             </a:r>
-            <a:endParaRPr b="0" lang="en-GB" sz="2000" spc="-1" strike="noStrike">
+            <a:endParaRPr b="0" lang="en-GB" sz="2400" spc="-1" strike="noStrike">
               <a:solidFill>
                 <a:srgbClr val="000000"/>
               </a:solidFill>
@@ -4200,7 +4111,7 @@
       </p:grpSpPr>
       <p:sp>
         <p:nvSpPr>
-          <p:cNvPr id="39" name="PlaceHolder 1"/>
+          <p:cNvPr id="36" name="PlaceHolder 1"/>
           <p:cNvSpPr>
             <a:spLocks noGrp="1"/>
           </p:cNvSpPr>
@@ -4210,8 +4121,8 @@
         </p:nvSpPr>
         <p:spPr>
           <a:xfrm>
-            <a:off x="503280" y="301680"/>
-            <a:ext cx="9069120" cy="1260000"/>
+            <a:off x="504000" y="301320"/>
+            <a:ext cx="9072000" cy="1261800"/>
           </a:xfrm>
           <a:prstGeom prst="rect">
             <a:avLst/>
@@ -4220,11 +4131,7 @@
         <p:txBody>
           <a:bodyPr lIns="0" rIns="0" tIns="0" bIns="0" anchor="ctr"/>
           <a:p>
-            <a:pPr algn="ctr">
-              <a:lnSpc>
-                <a:spcPct val="93000"/>
-              </a:lnSpc>
-            </a:pPr>
+            <a:pPr algn="ctr"/>
             <a:r>
               <a:rPr b="0" lang="en-GB" sz="4400" spc="-1" strike="noStrike">
                 <a:solidFill>
@@ -4236,9 +4143,8 @@
                   </a:solidFill>
                 </a:uFill>
                 <a:latin typeface="Arial"/>
-                <a:ea typeface="Noto Sans CJK SC Regular"/>
               </a:rPr>
-              <a:t>Click to edit Master title style</a:t>
+              <a:t>Click to edit the title text format</a:t>
             </a:r>
             <a:endParaRPr b="0" lang="en-GB" sz="4400" spc="-1" strike="noStrike">
               <a:solidFill>
@@ -4256,7 +4162,7 @@
       </p:sp>
       <p:sp>
         <p:nvSpPr>
-          <p:cNvPr id="40" name="PlaceHolder 2"/>
+          <p:cNvPr id="37" name="PlaceHolder 2"/>
           <p:cNvSpPr>
             <a:spLocks noGrp="1"/>
           </p:cNvSpPr>
@@ -4266,15 +4172,15 @@
         </p:nvSpPr>
         <p:spPr>
           <a:xfrm>
-            <a:off x="503280" y="1768320"/>
-            <a:ext cx="9069120" cy="4382640"/>
-          </a:xfrm>
-          <a:prstGeom prst="rect">
-            <a:avLst/>
-          </a:prstGeom>
-        </p:spPr>
-        <p:txBody>
-          <a:bodyPr lIns="0" rIns="0" tIns="28440" bIns="0"/>
+            <a:off x="504000" y="1768680"/>
+            <a:ext cx="9072000" cy="4384080"/>
+          </a:xfrm>
+          <a:prstGeom prst="rect">
+            <a:avLst/>
+          </a:prstGeom>
+        </p:spPr>
+        <p:txBody>
+          <a:bodyPr lIns="0" rIns="0" tIns="0" bIns="0"/>
           <a:p>
             <a:pPr marL="432000" indent="-324000">
               <a:buClr>
@@ -4295,7 +4201,6 @@
                   </a:solidFill>
                 </a:uFill>
                 <a:latin typeface="Arial"/>
-                <a:ea typeface="Noto Sans CJK SC Regular"/>
               </a:rPr>
               <a:t>Click to edit the outline text format</a:t>
             </a:r>
@@ -4321,7 +4226,7 @@
               <a:buChar char=""/>
             </a:pPr>
             <a:r>
-              <a:rPr b="0" lang="en-GB" sz="3200" spc="-1" strike="noStrike">
+              <a:rPr b="0" lang="en-GB" sz="2800" spc="-1" strike="noStrike">
                 <a:solidFill>
                   <a:srgbClr val="000000"/>
                 </a:solidFill>
@@ -4331,11 +4236,10 @@
                   </a:solidFill>
                 </a:uFill>
                 <a:latin typeface="Arial"/>
-                <a:ea typeface="Noto Sans CJK SC Regular"/>
               </a:rPr>
               <a:t>Second Outline Level</a:t>
             </a:r>
-            <a:endParaRPr b="0" lang="en-GB" sz="3200" spc="-1" strike="noStrike">
+            <a:endParaRPr b="0" lang="en-GB" sz="2800" spc="-1" strike="noStrike">
               <a:solidFill>
                 <a:srgbClr val="000000"/>
               </a:solidFill>
@@ -4357,7 +4261,7 @@
               <a:buChar char=""/>
             </a:pPr>
             <a:r>
-              <a:rPr b="0" lang="en-GB" sz="3200" spc="-1" strike="noStrike">
+              <a:rPr b="0" lang="en-GB" sz="2400" spc="-1" strike="noStrike">
                 <a:solidFill>
                   <a:srgbClr val="000000"/>
                 </a:solidFill>
@@ -4367,11 +4271,10 @@
                   </a:solidFill>
                 </a:uFill>
                 <a:latin typeface="Arial"/>
-                <a:ea typeface="Noto Sans CJK SC Regular"/>
               </a:rPr>
               <a:t>Third Outline Level</a:t>
             </a:r>
-            <a:endParaRPr b="0" lang="en-GB" sz="3200" spc="-1" strike="noStrike">
+            <a:endParaRPr b="0" lang="en-GB" sz="2400" spc="-1" strike="noStrike">
               <a:solidFill>
                 <a:srgbClr val="000000"/>
               </a:solidFill>
@@ -4393,7 +4296,7 @@
               <a:buChar char=""/>
             </a:pPr>
             <a:r>
-              <a:rPr b="0" lang="en-GB" sz="3200" spc="-1" strike="noStrike">
+              <a:rPr b="0" lang="en-GB" sz="2000" spc="-1" strike="noStrike">
                 <a:solidFill>
                   <a:srgbClr val="000000"/>
                 </a:solidFill>
@@ -4403,11 +4306,10 @@
                   </a:solidFill>
                 </a:uFill>
                 <a:latin typeface="Arial"/>
-                <a:ea typeface="Noto Sans CJK SC Regular"/>
               </a:rPr>
               <a:t>Fourth Outline Level</a:t>
             </a:r>
-            <a:endParaRPr b="0" lang="en-GB" sz="3200" spc="-1" strike="noStrike">
+            <a:endParaRPr b="0" lang="en-GB" sz="2000" spc="-1" strike="noStrike">
               <a:solidFill>
                 <a:srgbClr val="000000"/>
               </a:solidFill>
@@ -4429,7 +4331,7 @@
               <a:buChar char=""/>
             </a:pPr>
             <a:r>
-              <a:rPr b="0" lang="en-GB" sz="3200" spc="-1" strike="noStrike">
+              <a:rPr b="0" lang="en-GB" sz="2000" spc="-1" strike="noStrike">
                 <a:solidFill>
                   <a:srgbClr val="000000"/>
                 </a:solidFill>
@@ -4439,11 +4341,10 @@
                   </a:solidFill>
                 </a:uFill>
                 <a:latin typeface="Arial"/>
-                <a:ea typeface="Noto Sans CJK SC Regular"/>
               </a:rPr>
               <a:t>Fifth Outline Level</a:t>
             </a:r>
-            <a:endParaRPr b="0" lang="en-GB" sz="3200" spc="-1" strike="noStrike">
+            <a:endParaRPr b="0" lang="en-GB" sz="2000" spc="-1" strike="noStrike">
               <a:solidFill>
                 <a:srgbClr val="000000"/>
               </a:solidFill>
@@ -4465,7 +4366,7 @@
               <a:buChar char=""/>
             </a:pPr>
             <a:r>
-              <a:rPr b="0" lang="en-GB" sz="3200" spc="-1" strike="noStrike">
+              <a:rPr b="0" lang="en-GB" sz="2000" spc="-1" strike="noStrike">
                 <a:solidFill>
                   <a:srgbClr val="000000"/>
                 </a:solidFill>
@@ -4475,30 +4376,32 @@
                   </a:solidFill>
                 </a:uFill>
                 <a:latin typeface="Arial"/>
-                <a:ea typeface="Noto Sans CJK SC Regular"/>
               </a:rPr>
               <a:t>Sixth Outline Level</a:t>
             </a:r>
-            <a:endParaRPr b="0" lang="en-GB" sz="3200" spc="-1" strike="noStrike">
-              <a:solidFill>
-                <a:srgbClr val="000000"/>
-              </a:solidFill>
-              <a:uFill>
-                <a:solidFill>
-                  <a:srgbClr val="ffffff"/>
-                </a:solidFill>
-              </a:uFill>
-              <a:latin typeface="Arial"/>
-            </a:endParaRPr>
-          </a:p>
-          <a:p>
-            <a:pPr marL="343080" indent="-342720">
-              <a:lnSpc>
-                <a:spcPct val="100000"/>
-              </a:lnSpc>
+            <a:endParaRPr b="0" lang="en-GB" sz="2000" spc="-1" strike="noStrike">
+              <a:solidFill>
+                <a:srgbClr val="000000"/>
+              </a:solidFill>
+              <a:uFill>
+                <a:solidFill>
+                  <a:srgbClr val="ffffff"/>
+                </a:solidFill>
+              </a:uFill>
+              <a:latin typeface="Arial"/>
+            </a:endParaRPr>
+          </a:p>
+          <a:p>
+            <a:pPr lvl="6" marL="3024000" indent="-216000">
+              <a:buClr>
+                <a:srgbClr val="000000"/>
+              </a:buClr>
+              <a:buSzPct val="45000"/>
+              <a:buFont typeface="Wingdings" charset="2"/>
+              <a:buChar char=""/>
             </a:pPr>
             <a:r>
-              <a:rPr b="0" lang="en-GB" sz="3200" spc="-1" strike="noStrike">
+              <a:rPr b="0" lang="en-GB" sz="2000" spc="-1" strike="noStrike">
                 <a:solidFill>
                   <a:srgbClr val="000000"/>
                 </a:solidFill>
@@ -4508,260 +4411,19 @@
                   </a:solidFill>
                 </a:uFill>
                 <a:latin typeface="Arial"/>
-                <a:ea typeface="Noto Sans CJK SC Regular"/>
               </a:rPr>
-              <a:t>Seventh Outline LevelClick to edit Master text styles</a:t>
+              <a:t>Seventh Outline Level</a:t>
             </a:r>
-            <a:endParaRPr b="0" lang="en-GB" sz="3200" spc="-1" strike="noStrike">
-              <a:solidFill>
-                <a:srgbClr val="000000"/>
-              </a:solidFill>
-              <a:uFill>
-                <a:solidFill>
-                  <a:srgbClr val="ffffff"/>
-                </a:solidFill>
-              </a:uFill>
-              <a:latin typeface="Arial"/>
-            </a:endParaRPr>
-          </a:p>
-          <a:p>
-            <a:r>
-              <a:rPr b="0" lang="en-GB" sz="2800" spc="-1" strike="noStrike">
-                <a:solidFill>
-                  <a:srgbClr val="000000"/>
-                </a:solidFill>
-                <a:uFill>
-                  <a:solidFill>
-                    <a:srgbClr val="ffffff"/>
-                  </a:solidFill>
-                </a:uFill>
-                <a:latin typeface="Arial"/>
-                <a:ea typeface="Noto Sans CJK SC Regular"/>
-              </a:rPr>
-              <a:t>Second level</a:t>
-            </a:r>
-            <a:endParaRPr b="0" lang="en-GB" sz="3200" spc="-1" strike="noStrike">
-              <a:solidFill>
-                <a:srgbClr val="000000"/>
-              </a:solidFill>
-              <a:uFill>
-                <a:solidFill>
-                  <a:srgbClr val="ffffff"/>
-                </a:solidFill>
-              </a:uFill>
-              <a:latin typeface="Arial"/>
-            </a:endParaRPr>
-          </a:p>
-          <a:p>
-            <a:r>
-              <a:rPr b="0" lang="en-GB" sz="2400" spc="-1" strike="noStrike">
-                <a:solidFill>
-                  <a:srgbClr val="000000"/>
-                </a:solidFill>
-                <a:uFill>
-                  <a:solidFill>
-                    <a:srgbClr val="ffffff"/>
-                  </a:solidFill>
-                </a:uFill>
-                <a:latin typeface="Arial"/>
-                <a:ea typeface="Noto Sans CJK SC Regular"/>
-              </a:rPr>
-              <a:t>Third level</a:t>
-            </a:r>
-            <a:endParaRPr b="0" lang="en-GB" sz="3200" spc="-1" strike="noStrike">
-              <a:solidFill>
-                <a:srgbClr val="000000"/>
-              </a:solidFill>
-              <a:uFill>
-                <a:solidFill>
-                  <a:srgbClr val="ffffff"/>
-                </a:solidFill>
-              </a:uFill>
-              <a:latin typeface="Arial"/>
-            </a:endParaRPr>
-          </a:p>
-          <a:p>
-            <a:r>
-              <a:rPr b="0" lang="en-GB" sz="2000" spc="-1" strike="noStrike">
-                <a:solidFill>
-                  <a:srgbClr val="000000"/>
-                </a:solidFill>
-                <a:uFill>
-                  <a:solidFill>
-                    <a:srgbClr val="ffffff"/>
-                  </a:solidFill>
-                </a:uFill>
-                <a:latin typeface="Arial"/>
-                <a:ea typeface="Noto Sans CJK SC Regular"/>
-              </a:rPr>
-              <a:t>Fourth level</a:t>
-            </a:r>
-            <a:endParaRPr b="0" lang="en-GB" sz="3200" spc="-1" strike="noStrike">
-              <a:solidFill>
-                <a:srgbClr val="000000"/>
-              </a:solidFill>
-              <a:uFill>
-                <a:solidFill>
-                  <a:srgbClr val="ffffff"/>
-                </a:solidFill>
-              </a:uFill>
-              <a:latin typeface="Arial"/>
-            </a:endParaRPr>
-          </a:p>
-          <a:p>
-            <a:r>
-              <a:rPr b="0" lang="en-GB" sz="2000" spc="-1" strike="noStrike">
-                <a:solidFill>
-                  <a:srgbClr val="000000"/>
-                </a:solidFill>
-                <a:uFill>
-                  <a:solidFill>
-                    <a:srgbClr val="ffffff"/>
-                  </a:solidFill>
-                </a:uFill>
-                <a:latin typeface="Arial"/>
-                <a:ea typeface="Noto Sans CJK SC Regular"/>
-              </a:rPr>
-              <a:t>Fifth level</a:t>
-            </a:r>
-            <a:endParaRPr b="0" lang="en-GB" sz="3200" spc="-1" strike="noStrike">
-              <a:solidFill>
-                <a:srgbClr val="000000"/>
-              </a:solidFill>
-              <a:uFill>
-                <a:solidFill>
-                  <a:srgbClr val="ffffff"/>
-                </a:solidFill>
-              </a:uFill>
-              <a:latin typeface="Arial"/>
-            </a:endParaRPr>
-          </a:p>
-        </p:txBody>
-      </p:sp>
-      <p:sp>
-        <p:nvSpPr>
-          <p:cNvPr id="41" name="PlaceHolder 3"/>
-          <p:cNvSpPr>
-            <a:spLocks noGrp="1"/>
-          </p:cNvSpPr>
-          <p:nvPr>
-            <p:ph type="dt"/>
-          </p:nvPr>
-        </p:nvSpPr>
-        <p:spPr>
-          <a:xfrm>
-            <a:off x="503280" y="6886440"/>
-            <a:ext cx="2346120" cy="518760"/>
-          </a:xfrm>
-          <a:prstGeom prst="rect">
-            <a:avLst/>
-          </a:prstGeom>
-        </p:spPr>
-        <p:txBody>
-          <a:bodyPr lIns="0" rIns="0" tIns="0" bIns="0"/>
-          <a:p>
-            <a:endParaRPr b="0" lang="en-GB" sz="2400" spc="-1" strike="noStrike">
-              <a:solidFill>
-                <a:srgbClr val="000000"/>
-              </a:solidFill>
-              <a:uFill>
-                <a:solidFill>
-                  <a:srgbClr val="ffffff"/>
-                </a:solidFill>
-              </a:uFill>
-              <a:latin typeface="Times New Roman"/>
-            </a:endParaRPr>
-          </a:p>
-        </p:txBody>
-      </p:sp>
-      <p:sp>
-        <p:nvSpPr>
-          <p:cNvPr id="42" name="PlaceHolder 4"/>
-          <p:cNvSpPr>
-            <a:spLocks noGrp="1"/>
-          </p:cNvSpPr>
-          <p:nvPr>
-            <p:ph type="ftr"/>
-          </p:nvPr>
-        </p:nvSpPr>
-        <p:spPr>
-          <a:xfrm>
-            <a:off x="3448080" y="6886440"/>
-            <a:ext cx="3193560" cy="518760"/>
-          </a:xfrm>
-          <a:prstGeom prst="rect">
-            <a:avLst/>
-          </a:prstGeom>
-        </p:spPr>
-        <p:txBody>
-          <a:bodyPr lIns="0" rIns="0" tIns="0" bIns="0"/>
-          <a:p>
-            <a:endParaRPr b="0" lang="en-GB" sz="2400" spc="-1" strike="noStrike">
-              <a:solidFill>
-                <a:srgbClr val="000000"/>
-              </a:solidFill>
-              <a:uFill>
-                <a:solidFill>
-                  <a:srgbClr val="ffffff"/>
-                </a:solidFill>
-              </a:uFill>
-              <a:latin typeface="Times New Roman"/>
-            </a:endParaRPr>
-          </a:p>
-        </p:txBody>
-      </p:sp>
-      <p:sp>
-        <p:nvSpPr>
-          <p:cNvPr id="43" name="PlaceHolder 5"/>
-          <p:cNvSpPr>
-            <a:spLocks noGrp="1"/>
-          </p:cNvSpPr>
-          <p:nvPr>
-            <p:ph type="sldNum"/>
-          </p:nvPr>
-        </p:nvSpPr>
-        <p:spPr>
-          <a:xfrm>
-            <a:off x="7227720" y="6886440"/>
-            <a:ext cx="2346120" cy="518760"/>
-          </a:xfrm>
-          <a:prstGeom prst="rect">
-            <a:avLst/>
-          </a:prstGeom>
-        </p:spPr>
-        <p:txBody>
-          <a:bodyPr lIns="0" rIns="0" tIns="0" bIns="0"/>
-          <a:p>
-            <a:pPr algn="r">
-              <a:lnSpc>
-                <a:spcPct val="100000"/>
-              </a:lnSpc>
-            </a:pPr>
-            <a:fld id="{74505C50-0757-40E5-923C-43C7D88B51BB}" type="slidenum">
-              <a:rPr b="0" lang="en-GB" sz="1400" spc="-1" strike="noStrike">
-                <a:solidFill>
-                  <a:srgbClr val="000000"/>
-                </a:solidFill>
-                <a:uFill>
-                  <a:solidFill>
-                    <a:srgbClr val="ffffff"/>
-                  </a:solidFill>
-                </a:uFill>
-                <a:latin typeface="Times New Roman"/>
-                <a:ea typeface="DejaVu Sans"/>
-              </a:rPr>
-              <a:t>1</a:t>
-            </a:fld>
-            <a:endParaRPr b="0" lang="en-GB" sz="1400" spc="-1" strike="noStrike">
-              <a:solidFill>
-                <a:srgbClr val="000000"/>
-              </a:solidFill>
-              <a:uFill>
-                <a:solidFill>
-                  <a:srgbClr val="ffffff"/>
-                </a:solidFill>
-              </a:uFill>
-              <a:latin typeface="Times New Roman"/>
+            <a:endParaRPr b="0" lang="en-GB" sz="2000" spc="-1" strike="noStrike">
+              <a:solidFill>
+                <a:srgbClr val="000000"/>
+              </a:solidFill>
+              <a:uFill>
+                <a:solidFill>
+                  <a:srgbClr val="ffffff"/>
+                </a:solidFill>
+              </a:uFill>
+              <a:latin typeface="Arial"/>
             </a:endParaRPr>
           </a:p>
         </p:txBody>
@@ -4805,14 +4467,14 @@
       </p:grpSpPr>
       <p:sp>
         <p:nvSpPr>
-          <p:cNvPr id="83" name="TextShape 1"/>
-          <p:cNvSpPr txBox="1"/>
+          <p:cNvPr id="77" name="CustomShape 1"/>
+          <p:cNvSpPr/>
           <p:nvPr/>
         </p:nvSpPr>
         <p:spPr>
           <a:xfrm>
             <a:off x="503280" y="1474920"/>
-            <a:ext cx="9070560" cy="1261800"/>
+            <a:ext cx="9070200" cy="1261440"/>
           </a:xfrm>
           <a:prstGeom prst="rect">
             <a:avLst/>
@@ -4822,6 +4484,12 @@
             <a:noFill/>
           </a:ln>
         </p:spPr>
+        <p:style>
+          <a:lnRef idx="0"/>
+          <a:fillRef idx="0"/>
+          <a:effectRef idx="0"/>
+          <a:fontRef idx="minor"/>
+        </p:style>
         <p:txBody>
           <a:bodyPr lIns="0" rIns="0" tIns="39240" bIns="0" anchor="ctr"/>
           <a:p>
@@ -4845,30 +4513,30 @@
               </a:rPr>
               <a:t>NeuroMorpho.Org</a:t>
             </a:r>
-            <a:endParaRPr b="0" lang="en-GB" sz="4400" spc="-1" strike="noStrike">
-              <a:solidFill>
-                <a:srgbClr val="000000"/>
-              </a:solidFill>
-              <a:uFill>
-                <a:solidFill>
-                  <a:srgbClr val="ffffff"/>
-                </a:solidFill>
-              </a:uFill>
-              <a:latin typeface="Arial"/>
-            </a:endParaRPr>
-          </a:p>
-        </p:txBody>
-      </p:sp>
-      <p:sp>
-        <p:nvSpPr>
-          <p:cNvPr id="84" name="TextShape 2"/>
-          <p:cNvSpPr txBox="1"/>
+            <a:endParaRPr b="0" lang="en-GB" sz="1800" spc="-1" strike="noStrike">
+              <a:solidFill>
+                <a:srgbClr val="000000"/>
+              </a:solidFill>
+              <a:uFill>
+                <a:solidFill>
+                  <a:srgbClr val="ffffff"/>
+                </a:solidFill>
+              </a:uFill>
+              <a:latin typeface="Arial"/>
+            </a:endParaRPr>
+          </a:p>
+        </p:txBody>
+      </p:sp>
+      <p:sp>
+        <p:nvSpPr>
+          <p:cNvPr id="78" name="CustomShape 2"/>
+          <p:cNvSpPr/>
           <p:nvPr/>
         </p:nvSpPr>
         <p:spPr>
           <a:xfrm>
             <a:off x="503280" y="3059280"/>
-            <a:ext cx="9070560" cy="649080"/>
+            <a:ext cx="9070200" cy="648720"/>
           </a:xfrm>
           <a:prstGeom prst="rect">
             <a:avLst/>
@@ -4878,6 +4546,12 @@
             <a:noFill/>
           </a:ln>
         </p:spPr>
+        <p:style>
+          <a:lnRef idx="0"/>
+          <a:fillRef idx="0"/>
+          <a:effectRef idx="0"/>
+          <a:fontRef idx="minor"/>
+        </p:style>
         <p:txBody>
           <a:bodyPr lIns="0" rIns="0" tIns="28440" bIns="0" anchor="ctr"/>
           <a:p>
@@ -4887,9 +4561,9 @@
               </a:lnSpc>
             </a:pPr>
             <a:r>
-              <a:rPr b="0" lang="en-GB" sz="3200" spc="-1" strike="noStrike">
-                <a:solidFill>
-                  <a:srgbClr val="000000"/>
+              <a:rPr b="0" lang="en-GB" sz="3200" spc="-1" strike="noStrike" u="sng">
+                <a:solidFill>
+                  <a:srgbClr val="0000ff"/>
                 </a:solidFill>
                 <a:uFill>
                   <a:solidFill>
@@ -4902,30 +4576,30 @@
               </a:rPr>
               <a:t>http://neuromorpho.org/</a:t>
             </a:r>
-            <a:endParaRPr b="0" lang="en-GB" sz="3200" spc="-1" strike="noStrike">
-              <a:solidFill>
-                <a:srgbClr val="000000"/>
-              </a:solidFill>
-              <a:uFill>
-                <a:solidFill>
-                  <a:srgbClr val="ffffff"/>
-                </a:solidFill>
-              </a:uFill>
-              <a:latin typeface="Arial"/>
-            </a:endParaRPr>
-          </a:p>
-        </p:txBody>
-      </p:sp>
-      <p:sp>
-        <p:nvSpPr>
-          <p:cNvPr id="85" name="CustomShape 3"/>
+            <a:endParaRPr b="0" lang="en-GB" sz="1800" spc="-1" strike="noStrike">
+              <a:solidFill>
+                <a:srgbClr val="000000"/>
+              </a:solidFill>
+              <a:uFill>
+                <a:solidFill>
+                  <a:srgbClr val="ffffff"/>
+                </a:solidFill>
+              </a:uFill>
+              <a:latin typeface="Arial"/>
+            </a:endParaRPr>
+          </a:p>
+        </p:txBody>
+      </p:sp>
+      <p:sp>
+        <p:nvSpPr>
+          <p:cNvPr id="79" name="CustomShape 3"/>
           <p:cNvSpPr/>
           <p:nvPr/>
         </p:nvSpPr>
         <p:spPr>
           <a:xfrm>
             <a:off x="216000" y="7020000"/>
-            <a:ext cx="2879280" cy="396360"/>
+            <a:ext cx="2878920" cy="396000"/>
           </a:xfrm>
           <a:prstGeom prst="rect">
             <a:avLst/>
@@ -4980,14 +4654,14 @@
       </p:sp>
       <p:sp>
         <p:nvSpPr>
-          <p:cNvPr id="86" name="CustomShape 4"/>
+          <p:cNvPr id="80" name="CustomShape 4"/>
           <p:cNvSpPr/>
           <p:nvPr/>
         </p:nvSpPr>
         <p:spPr>
           <a:xfrm>
             <a:off x="1295280" y="4572360"/>
-            <a:ext cx="7488000" cy="1250640"/>
+            <a:ext cx="7487640" cy="1250280"/>
           </a:xfrm>
           <a:prstGeom prst="rect">
             <a:avLst/>
@@ -5042,7 +4716,7 @@
       </p:sp>
       <p:sp>
         <p:nvSpPr>
-          <p:cNvPr id="87" name="Line 5"/>
+          <p:cNvPr id="81" name="Line 5"/>
           <p:cNvSpPr/>
           <p:nvPr/>
         </p:nvSpPr>
@@ -5070,14 +4744,14 @@
       </p:sp>
       <p:sp>
         <p:nvSpPr>
-          <p:cNvPr id="88" name="CustomShape 6"/>
+          <p:cNvPr id="82" name="CustomShape 6"/>
           <p:cNvSpPr/>
           <p:nvPr/>
         </p:nvSpPr>
         <p:spPr>
           <a:xfrm>
             <a:off x="6985080" y="7020000"/>
-            <a:ext cx="2879280" cy="396360"/>
+            <a:ext cx="2878920" cy="396000"/>
           </a:xfrm>
           <a:prstGeom prst="rect">
             <a:avLst/>
@@ -5179,68 +4853,29 @@
           <a:chExt cx="0" cy="0"/>
         </a:xfrm>
       </p:grpSpPr>
-      <p:sp>
-        <p:nvSpPr>
-          <p:cNvPr id="89" name="CustomShape 1"/>
-          <p:cNvSpPr/>
+      <p:pic>
+        <p:nvPicPr>
+          <p:cNvPr id="83" name="" descr=""/>
+          <p:cNvPicPr/>
           <p:nvPr/>
-        </p:nvSpPr>
-        <p:spPr>
-          <a:xfrm>
-            <a:off x="739800" y="693720"/>
-            <a:ext cx="3868200" cy="1250640"/>
-          </a:xfrm>
-          <a:prstGeom prst="rect">
-            <a:avLst/>
-          </a:prstGeom>
-          <a:noFill/>
+        </p:nvPicPr>
+        <p:blipFill>
+          <a:blip r:embed="rId1"/>
+          <a:stretch/>
+        </p:blipFill>
+        <p:spPr>
+          <a:xfrm>
+            <a:off x="-357840" y="-1800"/>
+            <a:ext cx="10869840" cy="7571880"/>
+          </a:xfrm>
+          <a:prstGeom prst="rect">
+            <a:avLst/>
+          </a:prstGeom>
           <a:ln>
             <a:noFill/>
           </a:ln>
         </p:spPr>
-        <p:style>
-          <a:lnRef idx="0"/>
-          <a:fillRef idx="0"/>
-          <a:effectRef idx="0"/>
-          <a:fontRef idx="minor"/>
-        </p:style>
-        <p:txBody>
-          <a:bodyPr lIns="90000" rIns="90000" tIns="60840" bIns="45000"/>
-          <a:p>
-            <a:pPr>
-              <a:lnSpc>
-                <a:spcPct val="93000"/>
-              </a:lnSpc>
-            </a:pPr>
-            <a:r>
-              <a:rPr b="0" i="1" lang="en-GB" sz="1800" spc="-1" strike="noStrike">
-                <a:solidFill>
-                  <a:srgbClr val="666666"/>
-                </a:solidFill>
-                <a:uFill>
-                  <a:solidFill>
-                    <a:srgbClr val="ffffff"/>
-                  </a:solidFill>
-                </a:uFill>
-                <a:latin typeface="Arial"/>
-                <a:ea typeface="Noto Sans CJK SC Regular"/>
-              </a:rPr>
-              <a:t>One slide giving an overview of the resource, example datasets, etc.</a:t>
-            </a:r>
-            <a:endParaRPr b="0" lang="en-GB" sz="1800" spc="-1" strike="noStrike">
-              <a:solidFill>
-                <a:srgbClr val="000000"/>
-              </a:solidFill>
-              <a:uFill>
-                <a:solidFill>
-                  <a:srgbClr val="ffffff"/>
-                </a:solidFill>
-              </a:uFill>
-              <a:latin typeface="Arial"/>
-            </a:endParaRPr>
-          </a:p>
-        </p:txBody>
-      </p:sp>
+      </p:pic>
     </p:spTree>
   </p:cSld>
   <p:timing>
@@ -5292,14 +4927,14 @@
       </p:grpSpPr>
       <p:sp>
         <p:nvSpPr>
-          <p:cNvPr id="90" name="CustomShape 1"/>
+          <p:cNvPr id="84" name="CustomShape 1"/>
           <p:cNvSpPr/>
           <p:nvPr/>
         </p:nvSpPr>
         <p:spPr>
           <a:xfrm>
             <a:off x="739800" y="693720"/>
-            <a:ext cx="3868200" cy="1250640"/>
+            <a:ext cx="3867840" cy="1250280"/>
           </a:xfrm>
           <a:prstGeom prst="rect">
             <a:avLst/>
@@ -5352,6 +4987,29 @@
           </a:p>
         </p:txBody>
       </p:sp>
+      <p:pic>
+        <p:nvPicPr>
+          <p:cNvPr id="85" name="" descr=""/>
+          <p:cNvPicPr/>
+          <p:nvPr/>
+        </p:nvPicPr>
+        <p:blipFill>
+          <a:blip r:embed="rId1"/>
+          <a:stretch/>
+        </p:blipFill>
+        <p:spPr>
+          <a:xfrm>
+            <a:off x="-249840" y="-720"/>
+            <a:ext cx="10475640" cy="7632720"/>
+          </a:xfrm>
+          <a:prstGeom prst="rect">
+            <a:avLst/>
+          </a:prstGeom>
+          <a:ln>
+            <a:noFill/>
+          </a:ln>
+        </p:spPr>
+      </p:pic>
     </p:spTree>
   </p:cSld>
   <p:timing>
@@ -5403,14 +5061,14 @@
       </p:grpSpPr>
       <p:sp>
         <p:nvSpPr>
-          <p:cNvPr id="91" name="CustomShape 1"/>
+          <p:cNvPr id="86" name="CustomShape 1"/>
           <p:cNvSpPr/>
           <p:nvPr/>
         </p:nvSpPr>
         <p:spPr>
           <a:xfrm>
             <a:off x="739800" y="693720"/>
-            <a:ext cx="6316200" cy="3425400"/>
+            <a:ext cx="6315840" cy="3425040"/>
           </a:xfrm>
           <a:prstGeom prst="rect">
             <a:avLst/>
@@ -5820,6 +5478,52 @@
           </a:p>
         </p:txBody>
       </p:sp>
+      <p:pic>
+        <p:nvPicPr>
+          <p:cNvPr id="87" name="" descr=""/>
+          <p:cNvPicPr/>
+          <p:nvPr/>
+        </p:nvPicPr>
+        <p:blipFill>
+          <a:blip r:embed="rId1"/>
+          <a:stretch/>
+        </p:blipFill>
+        <p:spPr>
+          <a:xfrm>
+            <a:off x="360" y="2520"/>
+            <a:ext cx="9323640" cy="7559280"/>
+          </a:xfrm>
+          <a:prstGeom prst="rect">
+            <a:avLst/>
+          </a:prstGeom>
+          <a:ln>
+            <a:noFill/>
+          </a:ln>
+        </p:spPr>
+      </p:pic>
+      <p:pic>
+        <p:nvPicPr>
+          <p:cNvPr id="88" name="" descr=""/>
+          <p:cNvPicPr/>
+          <p:nvPr/>
+        </p:nvPicPr>
+        <p:blipFill>
+          <a:blip r:embed="rId2"/>
+          <a:stretch/>
+        </p:blipFill>
+        <p:spPr>
+          <a:xfrm>
+            <a:off x="360" y="2520"/>
+            <a:ext cx="10120680" cy="8205480"/>
+          </a:xfrm>
+          <a:prstGeom prst="rect">
+            <a:avLst/>
+          </a:prstGeom>
+          <a:ln>
+            <a:noFill/>
+          </a:ln>
+        </p:spPr>
+      </p:pic>
     </p:spTree>
   </p:cSld>
   <p:timing>
